--- a/DIG-Foundations/最終報告資料.pptx
+++ b/DIG-Foundations/最終報告資料.pptx
@@ -5,7 +5,7 @@
     <p:sldMasterId id="2147483758" r:id="rId4"/>
   </p:sldMasterIdLst>
   <p:notesMasterIdLst>
-    <p:notesMasterId r:id="rId10"/>
+    <p:notesMasterId r:id="rId11"/>
   </p:notesMasterIdLst>
   <p:sldIdLst>
     <p:sldId id="353" r:id="rId5"/>
@@ -13,6 +13,7 @@
     <p:sldId id="352" r:id="rId7"/>
     <p:sldId id="355" r:id="rId8"/>
     <p:sldId id="354" r:id="rId9"/>
+    <p:sldId id="356" r:id="rId10"/>
   </p:sldIdLst>
   <p:sldSz cx="12192000" cy="6858000"/>
   <p:notesSz cx="6858000" cy="9144000"/>
@@ -326,7 +327,7 @@
           <a:p>
             <a:fld id="{4E26078C-C213-443F-9791-5F3CEF7C3175}" type="datetimeFigureOut">
               <a:rPr kumimoji="1" lang="ja-JP" altLang="en-US" smtClean="0"/>
-              <a:t>2022/12/10</a:t>
+              <a:t>2022/12/11</a:t>
             </a:fld>
             <a:endParaRPr kumimoji="1" lang="ja-JP" altLang="en-US"/>
           </a:p>
@@ -897,7 +898,7 @@
           <a:p>
             <a:fld id="{CA101A3C-76DE-457D-A02D-7C04395472EB}" type="datetimeFigureOut">
               <a:rPr kumimoji="1" lang="ja-JP" altLang="en-US" smtClean="0"/>
-              <a:t>2022/12/10</a:t>
+              <a:t>2022/12/11</a:t>
             </a:fld>
             <a:endParaRPr kumimoji="1" lang="ja-JP" altLang="en-US"/>
           </a:p>
@@ -1235,7 +1236,7 @@
           <a:p>
             <a:fld id="{CA101A3C-76DE-457D-A02D-7C04395472EB}" type="datetimeFigureOut">
               <a:rPr kumimoji="1" lang="ja-JP" altLang="en-US" smtClean="0"/>
-              <a:t>2022/12/10</a:t>
+              <a:t>2022/12/11</a:t>
             </a:fld>
             <a:endParaRPr kumimoji="1" lang="ja-JP" altLang="en-US"/>
           </a:p>
@@ -1636,7 +1637,7 @@
           <a:p>
             <a:fld id="{CA101A3C-76DE-457D-A02D-7C04395472EB}" type="datetimeFigureOut">
               <a:rPr kumimoji="1" lang="ja-JP" altLang="en-US" smtClean="0"/>
-              <a:t>2022/12/10</a:t>
+              <a:t>2022/12/11</a:t>
             </a:fld>
             <a:endParaRPr kumimoji="1" lang="ja-JP" altLang="en-US"/>
           </a:p>
@@ -1972,7 +1973,7 @@
           <a:p>
             <a:fld id="{CA101A3C-76DE-457D-A02D-7C04395472EB}" type="datetimeFigureOut">
               <a:rPr kumimoji="1" lang="ja-JP" altLang="en-US" smtClean="0"/>
-              <a:t>2022/12/10</a:t>
+              <a:t>2022/12/11</a:t>
             </a:fld>
             <a:endParaRPr kumimoji="1" lang="ja-JP" altLang="en-US"/>
           </a:p>
@@ -2292,7 +2293,7 @@
           <a:p>
             <a:fld id="{CA101A3C-76DE-457D-A02D-7C04395472EB}" type="datetimeFigureOut">
               <a:rPr kumimoji="1" lang="ja-JP" altLang="en-US" smtClean="0"/>
-              <a:t>2022/12/10</a:t>
+              <a:t>2022/12/11</a:t>
             </a:fld>
             <a:endParaRPr kumimoji="1" lang="ja-JP" altLang="en-US"/>
           </a:p>
@@ -2688,7 +2689,7 @@
           <a:p>
             <a:fld id="{CA101A3C-76DE-457D-A02D-7C04395472EB}" type="datetimeFigureOut">
               <a:rPr kumimoji="1" lang="ja-JP" altLang="en-US" smtClean="0"/>
-              <a:t>2022/12/10</a:t>
+              <a:t>2022/12/11</a:t>
             </a:fld>
             <a:endParaRPr kumimoji="1" lang="ja-JP" altLang="en-US"/>
           </a:p>
@@ -2977,7 +2978,7 @@
           <a:p>
             <a:fld id="{CA101A3C-76DE-457D-A02D-7C04395472EB}" type="datetimeFigureOut">
               <a:rPr kumimoji="1" lang="ja-JP" altLang="en-US" smtClean="0"/>
-              <a:t>2022/12/10</a:t>
+              <a:t>2022/12/11</a:t>
             </a:fld>
             <a:endParaRPr kumimoji="1" lang="ja-JP" altLang="en-US"/>
           </a:p>
@@ -3271,7 +3272,7 @@
           <a:p>
             <a:fld id="{CA101A3C-76DE-457D-A02D-7C04395472EB}" type="datetimeFigureOut">
               <a:rPr kumimoji="1" lang="ja-JP" altLang="en-US" smtClean="0"/>
-              <a:t>2022/12/10</a:t>
+              <a:t>2022/12/11</a:t>
             </a:fld>
             <a:endParaRPr kumimoji="1" lang="ja-JP" altLang="en-US"/>
           </a:p>
@@ -3634,7 +3635,7 @@
           <a:p>
             <a:fld id="{CA101A3C-76DE-457D-A02D-7C04395472EB}" type="datetimeFigureOut">
               <a:rPr kumimoji="1" lang="ja-JP" altLang="en-US" smtClean="0"/>
-              <a:t>2022/12/10</a:t>
+              <a:t>2022/12/11</a:t>
             </a:fld>
             <a:endParaRPr kumimoji="1" lang="ja-JP" altLang="en-US"/>
           </a:p>
@@ -3999,7 +4000,7 @@
           <a:p>
             <a:fld id="{CA101A3C-76DE-457D-A02D-7C04395472EB}" type="datetimeFigureOut">
               <a:rPr kumimoji="1" lang="ja-JP" altLang="en-US" smtClean="0"/>
-              <a:t>2022/12/10</a:t>
+              <a:t>2022/12/11</a:t>
             </a:fld>
             <a:endParaRPr kumimoji="1" lang="ja-JP" altLang="en-US"/>
           </a:p>
@@ -4386,7 +4387,7 @@
           <a:p>
             <a:fld id="{CA101A3C-76DE-457D-A02D-7C04395472EB}" type="datetimeFigureOut">
               <a:rPr kumimoji="1" lang="ja-JP" altLang="en-US" smtClean="0"/>
-              <a:t>2022/12/10</a:t>
+              <a:t>2022/12/11</a:t>
             </a:fld>
             <a:endParaRPr kumimoji="1" lang="ja-JP" altLang="en-US"/>
           </a:p>
@@ -4907,7 +4908,7 @@
           <a:p>
             <a:fld id="{CA101A3C-76DE-457D-A02D-7C04395472EB}" type="datetimeFigureOut">
               <a:rPr kumimoji="1" lang="ja-JP" altLang="en-US" smtClean="0"/>
-              <a:t>2022/12/10</a:t>
+              <a:t>2022/12/11</a:t>
             </a:fld>
             <a:endParaRPr kumimoji="1" lang="ja-JP" altLang="en-US"/>
           </a:p>
@@ -5112,7 +5113,7 @@
           <a:p>
             <a:fld id="{CA101A3C-76DE-457D-A02D-7C04395472EB}" type="datetimeFigureOut">
               <a:rPr kumimoji="1" lang="ja-JP" altLang="en-US" smtClean="0"/>
-              <a:t>2022/12/10</a:t>
+              <a:t>2022/12/11</a:t>
             </a:fld>
             <a:endParaRPr kumimoji="1" lang="ja-JP" altLang="en-US"/>
           </a:p>
@@ -5289,7 +5290,7 @@
           <a:p>
             <a:fld id="{CA101A3C-76DE-457D-A02D-7C04395472EB}" type="datetimeFigureOut">
               <a:rPr kumimoji="1" lang="ja-JP" altLang="en-US" smtClean="0"/>
-              <a:t>2022/12/10</a:t>
+              <a:t>2022/12/11</a:t>
             </a:fld>
             <a:endParaRPr kumimoji="1" lang="ja-JP" altLang="en-US"/>
           </a:p>
@@ -5654,7 +5655,7 @@
           <a:p>
             <a:fld id="{CA101A3C-76DE-457D-A02D-7C04395472EB}" type="datetimeFigureOut">
               <a:rPr kumimoji="1" lang="ja-JP" altLang="en-US" smtClean="0"/>
-              <a:t>2022/12/10</a:t>
+              <a:t>2022/12/11</a:t>
             </a:fld>
             <a:endParaRPr kumimoji="1" lang="ja-JP" altLang="en-US"/>
           </a:p>
@@ -5999,7 +6000,7 @@
           <a:p>
             <a:fld id="{CA101A3C-76DE-457D-A02D-7C04395472EB}" type="datetimeFigureOut">
               <a:rPr kumimoji="1" lang="ja-JP" altLang="en-US" smtClean="0"/>
-              <a:t>2022/12/10</a:t>
+              <a:t>2022/12/11</a:t>
             </a:fld>
             <a:endParaRPr kumimoji="1" lang="ja-JP" altLang="en-US"/>
           </a:p>
@@ -8148,7 +8149,7 @@
           <a:p>
             <a:fld id="{CA101A3C-76DE-457D-A02D-7C04395472EB}" type="datetimeFigureOut">
               <a:rPr kumimoji="1" lang="ja-JP" altLang="en-US" smtClean="0"/>
-              <a:t>2022/12/10</a:t>
+              <a:t>2022/12/11</a:t>
             </a:fld>
             <a:endParaRPr kumimoji="1" lang="ja-JP" altLang="en-US"/>
           </a:p>
@@ -10666,8 +10667,8 @@
             </a:prstGeom>
           </p:spPr>
         </p:pic>
-        <mc:AlternateContent xmlns:mc="http://schemas.openxmlformats.org/markup-compatibility/2006">
-          <mc:Choice xmlns:p14="http://schemas.microsoft.com/office/powerpoint/2010/main" Requires="p14">
+        <mc:AlternateContent xmlns:mc="http://schemas.openxmlformats.org/markup-compatibility/2006" xmlns:p14="http://schemas.microsoft.com/office/powerpoint/2010/main">
+          <mc:Choice Requires="p14">
             <p:contentPart p14:bwMode="auto" r:id="rId7">
               <p14:nvContentPartPr>
                 <p14:cNvPr id="24" name="インク 23">
@@ -10686,7 +10687,7 @@
               </p14:xfrm>
             </p:contentPart>
           </mc:Choice>
-          <mc:Fallback>
+          <mc:Fallback xmlns="">
             <p:pic>
               <p:nvPicPr>
                 <p:cNvPr id="24" name="インク 23">
@@ -12448,6 +12449,737 @@
     <p:extLst>
       <p:ext uri="{BB962C8B-B14F-4D97-AF65-F5344CB8AC3E}">
         <p14:creationId xmlns:p14="http://schemas.microsoft.com/office/powerpoint/2010/main" val="885157878"/>
+      </p:ext>
+    </p:extLst>
+  </p:cSld>
+  <p:clrMapOvr>
+    <a:masterClrMapping/>
+  </p:clrMapOvr>
+</p:sld>
+</file>
+
+<file path=ppt/slides/slide6.xml><?xml version="1.0" encoding="utf-8"?>
+<p:sld xmlns:a="http://schemas.openxmlformats.org/drawingml/2006/main" xmlns:r="http://schemas.openxmlformats.org/officeDocument/2006/relationships" xmlns:p="http://schemas.openxmlformats.org/presentationml/2006/main">
+  <p:cSld>
+    <p:spTree>
+      <p:nvGrpSpPr>
+        <p:cNvPr id="1" name=""/>
+        <p:cNvGrpSpPr/>
+        <p:nvPr/>
+      </p:nvGrpSpPr>
+      <p:grpSpPr>
+        <a:xfrm>
+          <a:off x="0" y="0"/>
+          <a:ext cx="0" cy="0"/>
+          <a:chOff x="0" y="0"/>
+          <a:chExt cx="0" cy="0"/>
+        </a:xfrm>
+      </p:grpSpPr>
+      <p:sp>
+        <p:nvSpPr>
+          <p:cNvPr id="6" name="テキスト ボックス 5"/>
+          <p:cNvSpPr txBox="1"/>
+          <p:nvPr/>
+        </p:nvSpPr>
+        <p:spPr>
+          <a:xfrm>
+            <a:off x="1337309" y="96960"/>
+            <a:ext cx="1107996" cy="461665"/>
+          </a:xfrm>
+          <a:prstGeom prst="rect">
+            <a:avLst/>
+          </a:prstGeom>
+          <a:noFill/>
+          <a:ln>
+            <a:noFill/>
+          </a:ln>
+        </p:spPr>
+        <p:style>
+          <a:lnRef idx="1">
+            <a:schemeClr val="accent5"/>
+          </a:lnRef>
+          <a:fillRef idx="3">
+            <a:schemeClr val="accent5"/>
+          </a:fillRef>
+          <a:effectRef idx="2">
+            <a:schemeClr val="accent5"/>
+          </a:effectRef>
+          <a:fontRef idx="minor">
+            <a:schemeClr val="lt1"/>
+          </a:fontRef>
+        </p:style>
+        <p:txBody>
+          <a:bodyPr wrap="none" rtlCol="0" anchor="ctr" anchorCtr="0">
+            <a:spAutoFit/>
+          </a:bodyPr>
+          <a:lstStyle/>
+          <a:p>
+            <a:r>
+              <a:rPr lang="ja-JP" altLang="en-US" sz="2400" b="1" dirty="0">
+                <a:effectLst>
+                  <a:outerShdw blurRad="38100" dist="38100" dir="2700000" algn="tl">
+                    <a:srgbClr val="000000">
+                      <a:alpha val="43137"/>
+                    </a:srgbClr>
+                  </a:outerShdw>
+                </a:effectLst>
+              </a:rPr>
+              <a:t>おまけ</a:t>
+            </a:r>
+            <a:endParaRPr lang="en-US" altLang="ja-JP" sz="2400" b="1" dirty="0">
+              <a:effectLst>
+                <a:outerShdw blurRad="38100" dist="38100" dir="2700000" algn="tl">
+                  <a:srgbClr val="000000">
+                    <a:alpha val="43137"/>
+                  </a:srgbClr>
+                </a:outerShdw>
+              </a:effectLst>
+            </a:endParaRPr>
+          </a:p>
+        </p:txBody>
+      </p:sp>
+      <p:grpSp>
+        <p:nvGrpSpPr>
+          <p:cNvPr id="2" name="グループ化 1">
+            <a:extLst>
+              <a:ext uri="{FF2B5EF4-FFF2-40B4-BE49-F238E27FC236}">
+                <a16:creationId xmlns:a16="http://schemas.microsoft.com/office/drawing/2014/main" id="{2971D47F-6D74-404F-A580-1607555B069E}"/>
+              </a:ext>
+            </a:extLst>
+          </p:cNvPr>
+          <p:cNvGrpSpPr/>
+          <p:nvPr/>
+        </p:nvGrpSpPr>
+        <p:grpSpPr>
+          <a:xfrm>
+            <a:off x="7827225" y="26449"/>
+            <a:ext cx="1636518" cy="662981"/>
+            <a:chOff x="7827225" y="26449"/>
+            <a:chExt cx="1636518" cy="662981"/>
+          </a:xfrm>
+        </p:grpSpPr>
+        <p:grpSp>
+          <p:nvGrpSpPr>
+            <p:cNvPr id="7" name="グループ化 6">
+              <a:extLst>
+                <a:ext uri="{FF2B5EF4-FFF2-40B4-BE49-F238E27FC236}">
+                  <a16:creationId xmlns:a16="http://schemas.microsoft.com/office/drawing/2014/main" id="{CAE2149C-B06B-4C37-91FA-A89E8A4B18B6}"/>
+                </a:ext>
+              </a:extLst>
+            </p:cNvPr>
+            <p:cNvGrpSpPr/>
+            <p:nvPr/>
+          </p:nvGrpSpPr>
+          <p:grpSpPr>
+            <a:xfrm>
+              <a:off x="7827225" y="26449"/>
+              <a:ext cx="979755" cy="662981"/>
+              <a:chOff x="8497521" y="36082"/>
+              <a:chExt cx="979755" cy="662981"/>
+            </a:xfrm>
+          </p:grpSpPr>
+          <p:pic>
+            <p:nvPicPr>
+              <p:cNvPr id="3" name="図 2" descr="次世代工場G">
+                <a:extLst>
+                  <a:ext uri="{FF2B5EF4-FFF2-40B4-BE49-F238E27FC236}">
+                    <a16:creationId xmlns:a16="http://schemas.microsoft.com/office/drawing/2014/main" id="{A9274790-8459-4884-BE8B-29D3B6C57958}"/>
+                  </a:ext>
+                  <a:ext uri="{C183D7F6-B498-43B3-948B-1728B52AA6E4}">
+                    <adec:decorative xmlns:adec="http://schemas.microsoft.com/office/drawing/2017/decorative" val="0"/>
+                  </a:ext>
+                </a:extLst>
+              </p:cNvPr>
+              <p:cNvPicPr>
+                <a:picLocks noChangeAspect="1"/>
+              </p:cNvPicPr>
+              <p:nvPr/>
+            </p:nvPicPr>
+            <p:blipFill>
+              <a:blip r:embed="rId2" cstate="print">
+                <a:extLst>
+                  <a:ext uri="{28A0092B-C50C-407E-A947-70E740481C1C}">
+                    <a14:useLocalDpi xmlns:a14="http://schemas.microsoft.com/office/drawing/2010/main" val="0"/>
+                  </a:ext>
+                </a:extLst>
+              </a:blip>
+              <a:stretch>
+                <a:fillRect/>
+              </a:stretch>
+            </p:blipFill>
+            <p:spPr>
+              <a:xfrm>
+                <a:off x="8593398" y="36082"/>
+                <a:ext cx="779416" cy="599369"/>
+              </a:xfrm>
+              <a:prstGeom prst="rect">
+                <a:avLst/>
+              </a:prstGeom>
+            </p:spPr>
+          </p:pic>
+          <p:sp>
+            <p:nvSpPr>
+              <p:cNvPr id="4" name="正方形/長方形 3">
+                <a:extLst>
+                  <a:ext uri="{FF2B5EF4-FFF2-40B4-BE49-F238E27FC236}">
+                    <a16:creationId xmlns:a16="http://schemas.microsoft.com/office/drawing/2014/main" id="{91F6437E-DFE4-4273-BBB2-55F0E36A93B2}"/>
+                  </a:ext>
+                </a:extLst>
+              </p:cNvPr>
+              <p:cNvSpPr/>
+              <p:nvPr/>
+            </p:nvSpPr>
+            <p:spPr>
+              <a:xfrm>
+                <a:off x="8497521" y="437453"/>
+                <a:ext cx="979755" cy="261610"/>
+              </a:xfrm>
+              <a:prstGeom prst="rect">
+                <a:avLst/>
+              </a:prstGeom>
+              <a:noFill/>
+            </p:spPr>
+            <p:txBody>
+              <a:bodyPr wrap="none" lIns="91440" tIns="45720" rIns="91440" bIns="45720">
+                <a:spAutoFit/>
+              </a:bodyPr>
+              <a:lstStyle/>
+              <a:p>
+                <a:pPr algn="ctr"/>
+                <a:r>
+                  <a:rPr lang="ja-JP" altLang="en-US" sz="1050" cap="none" spc="0">
+                    <a:ln w="13462">
+                      <a:solidFill>
+                        <a:schemeClr val="bg1"/>
+                      </a:solidFill>
+                      <a:prstDash val="solid"/>
+                    </a:ln>
+                    <a:solidFill>
+                      <a:srgbClr val="FF0000"/>
+                    </a:solidFill>
+                  </a:rPr>
+                  <a:t>次世代工場</a:t>
+                </a:r>
+                <a:r>
+                  <a:rPr lang="en-US" altLang="ja-JP" sz="1050" cap="none" spc="0">
+                    <a:ln w="13462">
+                      <a:solidFill>
+                        <a:schemeClr val="bg1"/>
+                      </a:solidFill>
+                      <a:prstDash val="solid"/>
+                    </a:ln>
+                    <a:solidFill>
+                      <a:srgbClr val="FF0000"/>
+                    </a:solidFill>
+                  </a:rPr>
+                  <a:t>G</a:t>
+                </a:r>
+                <a:endParaRPr lang="ja-JP" altLang="en-US" sz="1050" cap="none" spc="0">
+                  <a:ln w="13462">
+                    <a:solidFill>
+                      <a:schemeClr val="bg1"/>
+                    </a:solidFill>
+                    <a:prstDash val="solid"/>
+                  </a:ln>
+                  <a:solidFill>
+                    <a:srgbClr val="FF0000"/>
+                  </a:solidFill>
+                </a:endParaRPr>
+              </a:p>
+            </p:txBody>
+          </p:sp>
+        </p:grpSp>
+        <p:grpSp>
+          <p:nvGrpSpPr>
+            <p:cNvPr id="11" name="グループ化 10">
+              <a:extLst>
+                <a:ext uri="{FF2B5EF4-FFF2-40B4-BE49-F238E27FC236}">
+                  <a16:creationId xmlns:a16="http://schemas.microsoft.com/office/drawing/2014/main" id="{E938A31B-CB9B-499E-885D-D151401FE314}"/>
+                </a:ext>
+              </a:extLst>
+            </p:cNvPr>
+            <p:cNvGrpSpPr/>
+            <p:nvPr/>
+          </p:nvGrpSpPr>
+          <p:grpSpPr>
+            <a:xfrm>
+              <a:off x="8637876" y="26449"/>
+              <a:ext cx="825867" cy="661496"/>
+              <a:chOff x="8599126" y="26449"/>
+              <a:chExt cx="825867" cy="661496"/>
+            </a:xfrm>
+          </p:grpSpPr>
+          <p:pic>
+            <p:nvPicPr>
+              <p:cNvPr id="12" name="図 11">
+                <a:extLst>
+                  <a:ext uri="{FF2B5EF4-FFF2-40B4-BE49-F238E27FC236}">
+                    <a16:creationId xmlns:a16="http://schemas.microsoft.com/office/drawing/2014/main" id="{11932ACA-674C-4499-81EC-DA61DEF5C722}"/>
+                  </a:ext>
+                </a:extLst>
+              </p:cNvPr>
+              <p:cNvPicPr>
+                <a:picLocks noChangeAspect="1"/>
+              </p:cNvPicPr>
+              <p:nvPr/>
+            </p:nvPicPr>
+            <p:blipFill>
+              <a:blip r:embed="rId3"/>
+              <a:stretch>
+                <a:fillRect/>
+              </a:stretch>
+            </p:blipFill>
+            <p:spPr>
+              <a:xfrm>
+                <a:off x="8696764" y="26449"/>
+                <a:ext cx="630592" cy="601929"/>
+              </a:xfrm>
+              <a:prstGeom prst="rect">
+                <a:avLst/>
+              </a:prstGeom>
+            </p:spPr>
+          </p:pic>
+          <p:sp>
+            <p:nvSpPr>
+              <p:cNvPr id="13" name="正方形/長方形 12">
+                <a:extLst>
+                  <a:ext uri="{FF2B5EF4-FFF2-40B4-BE49-F238E27FC236}">
+                    <a16:creationId xmlns:a16="http://schemas.microsoft.com/office/drawing/2014/main" id="{93D146A7-2D72-4261-A27A-7331157239E6}"/>
+                  </a:ext>
+                </a:extLst>
+              </p:cNvPr>
+              <p:cNvSpPr/>
+              <p:nvPr/>
+            </p:nvSpPr>
+            <p:spPr>
+              <a:xfrm>
+                <a:off x="8599126" y="441724"/>
+                <a:ext cx="825867" cy="246221"/>
+              </a:xfrm>
+              <a:prstGeom prst="rect">
+                <a:avLst/>
+              </a:prstGeom>
+              <a:noFill/>
+            </p:spPr>
+            <p:txBody>
+              <a:bodyPr wrap="none" lIns="91440" tIns="45720" rIns="91440" bIns="45720">
+                <a:spAutoFit/>
+              </a:bodyPr>
+              <a:lstStyle/>
+              <a:p>
+                <a:pPr algn="ctr"/>
+                <a:r>
+                  <a:rPr lang="ja-JP" altLang="en-US" sz="1000">
+                    <a:ln w="0"/>
+                    <a:gradFill>
+                      <a:gsLst>
+                        <a:gs pos="0">
+                          <a:schemeClr val="accent5">
+                            <a:lumMod val="50000"/>
+                          </a:schemeClr>
+                        </a:gs>
+                        <a:gs pos="50000">
+                          <a:schemeClr val="accent5"/>
+                        </a:gs>
+                        <a:gs pos="100000">
+                          <a:schemeClr val="accent5">
+                            <a:lumMod val="60000"/>
+                            <a:lumOff val="40000"/>
+                          </a:schemeClr>
+                        </a:gs>
+                      </a:gsLst>
+                      <a:lin ang="5400000"/>
+                    </a:gradFill>
+                    <a:effectLst>
+                      <a:reflection blurRad="6350" stA="53000" endA="300" endPos="35500" dir="5400000" sy="-90000" algn="bl" rotWithShape="0"/>
+                    </a:effectLst>
+                  </a:rPr>
+                  <a:t>企画統括室</a:t>
+                </a:r>
+              </a:p>
+            </p:txBody>
+          </p:sp>
+        </p:grpSp>
+      </p:grpSp>
+      <p:sp>
+        <p:nvSpPr>
+          <p:cNvPr id="8" name="テキスト ボックス 7">
+            <a:extLst>
+              <a:ext uri="{FF2B5EF4-FFF2-40B4-BE49-F238E27FC236}">
+                <a16:creationId xmlns:a16="http://schemas.microsoft.com/office/drawing/2014/main" id="{FDAF8D01-F952-2337-F941-EA16C2CFE6C6}"/>
+              </a:ext>
+            </a:extLst>
+          </p:cNvPr>
+          <p:cNvSpPr txBox="1"/>
+          <p:nvPr/>
+        </p:nvSpPr>
+        <p:spPr>
+          <a:xfrm>
+            <a:off x="1097281" y="785617"/>
+            <a:ext cx="10906158" cy="461665"/>
+          </a:xfrm>
+          <a:prstGeom prst="rect">
+            <a:avLst/>
+          </a:prstGeom>
+          <a:noFill/>
+        </p:spPr>
+        <p:txBody>
+          <a:bodyPr wrap="square" rtlCol="0">
+            <a:spAutoFit/>
+          </a:bodyPr>
+          <a:lstStyle/>
+          <a:p>
+            <a:r>
+              <a:rPr lang="ja-JP" altLang="en-US" sz="2400" dirty="0"/>
+              <a:t>　　　</a:t>
+            </a:r>
+            <a:r>
+              <a:rPr lang="en-US" altLang="ja-JP" sz="2400" dirty="0"/>
+              <a:t>png.gif</a:t>
+            </a:r>
+            <a:r>
+              <a:rPr lang="ja-JP" altLang="en-US" sz="2400" dirty="0"/>
+              <a:t>ファイル一覧</a:t>
+            </a:r>
+            <a:endParaRPr lang="en-US" altLang="ja-JP" sz="3200" b="1" dirty="0">
+              <a:solidFill>
+                <a:schemeClr val="accent3">
+                  <a:lumMod val="75000"/>
+                </a:schemeClr>
+              </a:solidFill>
+              <a:latin typeface="Amasis MT Pro Black" panose="020B0604020202020204" pitchFamily="18" charset="0"/>
+            </a:endParaRPr>
+          </a:p>
+        </p:txBody>
+      </p:sp>
+      <p:pic>
+        <p:nvPicPr>
+          <p:cNvPr id="9" name="図 8">
+            <a:extLst>
+              <a:ext uri="{FF2B5EF4-FFF2-40B4-BE49-F238E27FC236}">
+                <a16:creationId xmlns:a16="http://schemas.microsoft.com/office/drawing/2014/main" id="{8122D462-37A2-6EA6-9F63-6F7A7FB464AD}"/>
+              </a:ext>
+            </a:extLst>
+          </p:cNvPr>
+          <p:cNvPicPr>
+            <a:picLocks noChangeAspect="1"/>
+          </p:cNvPicPr>
+          <p:nvPr/>
+        </p:nvPicPr>
+        <p:blipFill>
+          <a:blip r:embed="rId4"/>
+          <a:stretch>
+            <a:fillRect/>
+          </a:stretch>
+        </p:blipFill>
+        <p:spPr>
+          <a:xfrm>
+            <a:off x="812640" y="1474274"/>
+            <a:ext cx="7359622" cy="4189688"/>
+          </a:xfrm>
+          <a:prstGeom prst="rect">
+            <a:avLst/>
+          </a:prstGeom>
+        </p:spPr>
+      </p:pic>
+      <p:pic>
+        <p:nvPicPr>
+          <p:cNvPr id="14" name="図 13" descr="シャツ が含まれている画像&#10;&#10;自動的に生成された説明">
+            <a:extLst>
+              <a:ext uri="{FF2B5EF4-FFF2-40B4-BE49-F238E27FC236}">
+                <a16:creationId xmlns:a16="http://schemas.microsoft.com/office/drawing/2014/main" id="{548DF937-1BDC-5376-B9A5-1BF6233AEA6A}"/>
+              </a:ext>
+            </a:extLst>
+          </p:cNvPr>
+          <p:cNvPicPr>
+            <a:picLocks noChangeAspect="1"/>
+          </p:cNvPicPr>
+          <p:nvPr/>
+        </p:nvPicPr>
+        <p:blipFill>
+          <a:blip r:embed="rId5">
+            <a:extLst>
+              <a:ext uri="{28A0092B-C50C-407E-A947-70E740481C1C}">
+                <a14:useLocalDpi xmlns:a14="http://schemas.microsoft.com/office/drawing/2010/main" val="0"/>
+              </a:ext>
+            </a:extLst>
+          </a:blip>
+          <a:stretch>
+            <a:fillRect/>
+          </a:stretch>
+        </p:blipFill>
+        <p:spPr>
+          <a:xfrm>
+            <a:off x="9809825" y="4589999"/>
+            <a:ext cx="2099243" cy="1815561"/>
+          </a:xfrm>
+          <a:prstGeom prst="rect">
+            <a:avLst/>
+          </a:prstGeom>
+        </p:spPr>
+      </p:pic>
+      <p:pic>
+        <p:nvPicPr>
+          <p:cNvPr id="16" name="図 15" descr="シャツ が含まれている画像&#10;&#10;自動的に生成された説明">
+            <a:extLst>
+              <a:ext uri="{FF2B5EF4-FFF2-40B4-BE49-F238E27FC236}">
+                <a16:creationId xmlns:a16="http://schemas.microsoft.com/office/drawing/2014/main" id="{AB7F5536-14B0-BC8A-B0C7-9CB6FA1FC606}"/>
+              </a:ext>
+            </a:extLst>
+          </p:cNvPr>
+          <p:cNvPicPr>
+            <a:picLocks noChangeAspect="1"/>
+          </p:cNvPicPr>
+          <p:nvPr/>
+        </p:nvPicPr>
+        <p:blipFill>
+          <a:blip r:embed="rId6">
+            <a:extLst>
+              <a:ext uri="{28A0092B-C50C-407E-A947-70E740481C1C}">
+                <a14:useLocalDpi xmlns:a14="http://schemas.microsoft.com/office/drawing/2010/main" val="0"/>
+              </a:ext>
+            </a:extLst>
+          </a:blip>
+          <a:stretch>
+            <a:fillRect/>
+          </a:stretch>
+        </p:blipFill>
+        <p:spPr>
+          <a:xfrm>
+            <a:off x="8010971" y="703166"/>
+            <a:ext cx="2300460" cy="1989587"/>
+          </a:xfrm>
+          <a:prstGeom prst="rect">
+            <a:avLst/>
+          </a:prstGeom>
+        </p:spPr>
+      </p:pic>
+      <p:pic>
+        <p:nvPicPr>
+          <p:cNvPr id="18" name="図 17" descr="シャツ が含まれている画像&#10;&#10;自動的に生成された説明">
+            <a:extLst>
+              <a:ext uri="{FF2B5EF4-FFF2-40B4-BE49-F238E27FC236}">
+                <a16:creationId xmlns:a16="http://schemas.microsoft.com/office/drawing/2014/main" id="{1F29CC9B-D8A9-5A27-F478-C614E352E5E2}"/>
+              </a:ext>
+            </a:extLst>
+          </p:cNvPr>
+          <p:cNvPicPr>
+            <a:picLocks noChangeAspect="1"/>
+          </p:cNvPicPr>
+          <p:nvPr/>
+        </p:nvPicPr>
+        <p:blipFill>
+          <a:blip r:embed="rId7">
+            <a:extLst>
+              <a:ext uri="{28A0092B-C50C-407E-A947-70E740481C1C}">
+                <a14:useLocalDpi xmlns:a14="http://schemas.microsoft.com/office/drawing/2010/main" val="0"/>
+              </a:ext>
+            </a:extLst>
+          </a:blip>
+          <a:stretch>
+            <a:fillRect/>
+          </a:stretch>
+        </p:blipFill>
+        <p:spPr>
+          <a:xfrm>
+            <a:off x="9161201" y="2788940"/>
+            <a:ext cx="2010196" cy="1738548"/>
+          </a:xfrm>
+          <a:prstGeom prst="rect">
+            <a:avLst/>
+          </a:prstGeom>
+        </p:spPr>
+      </p:pic>
+      <p:sp>
+        <p:nvSpPr>
+          <p:cNvPr id="20" name="正方形/長方形 19">
+            <a:extLst>
+              <a:ext uri="{FF2B5EF4-FFF2-40B4-BE49-F238E27FC236}">
+                <a16:creationId xmlns:a16="http://schemas.microsoft.com/office/drawing/2014/main" id="{7E9D8EA9-2718-62E9-FC46-F4BE41718FAD}"/>
+              </a:ext>
+            </a:extLst>
+          </p:cNvPr>
+          <p:cNvSpPr/>
+          <p:nvPr/>
+        </p:nvSpPr>
+        <p:spPr>
+          <a:xfrm>
+            <a:off x="3148497" y="5815450"/>
+            <a:ext cx="5088251" cy="954107"/>
+          </a:xfrm>
+          <a:prstGeom prst="rect">
+            <a:avLst/>
+          </a:prstGeom>
+          <a:noFill/>
+        </p:spPr>
+        <p:txBody>
+          <a:bodyPr wrap="none" lIns="91440" tIns="45720" rIns="91440" bIns="45720">
+            <a:spAutoFit/>
+          </a:bodyPr>
+          <a:lstStyle/>
+          <a:p>
+            <a:pPr algn="ctr"/>
+            <a:r>
+              <a:rPr lang="en-US" altLang="ja-JP" sz="2800" b="1" cap="none" spc="0" dirty="0">
+                <a:ln w="13462">
+                  <a:solidFill>
+                    <a:schemeClr val="bg1"/>
+                  </a:solidFill>
+                  <a:prstDash val="solid"/>
+                </a:ln>
+                <a:solidFill>
+                  <a:schemeClr val="tx1">
+                    <a:lumMod val="85000"/>
+                    <a:lumOff val="15000"/>
+                  </a:schemeClr>
+                </a:solidFill>
+                <a:effectLst>
+                  <a:outerShdw dist="38100" dir="2700000" algn="bl" rotWithShape="0">
+                    <a:schemeClr val="accent5"/>
+                  </a:outerShdw>
+                </a:effectLst>
+              </a:rPr>
+              <a:t>create by </a:t>
+            </a:r>
+            <a:r>
+              <a:rPr lang="en-US" altLang="ja-JP" sz="2800" b="1" cap="none" spc="0" dirty="0" err="1">
+                <a:ln w="13462">
+                  <a:solidFill>
+                    <a:schemeClr val="bg1"/>
+                  </a:solidFill>
+                  <a:prstDash val="solid"/>
+                </a:ln>
+                <a:solidFill>
+                  <a:schemeClr val="tx1">
+                    <a:lumMod val="85000"/>
+                    <a:lumOff val="15000"/>
+                  </a:schemeClr>
+                </a:solidFill>
+                <a:effectLst>
+                  <a:outerShdw dist="38100" dir="2700000" algn="bl" rotWithShape="0">
+                    <a:schemeClr val="accent5"/>
+                  </a:outerShdw>
+                </a:effectLst>
+              </a:rPr>
+              <a:t>greenlabel</a:t>
+            </a:r>
+            <a:r>
+              <a:rPr lang="ja-JP" altLang="en-US" sz="2800" b="1" cap="none" spc="0" dirty="0">
+                <a:ln w="13462">
+                  <a:solidFill>
+                    <a:schemeClr val="bg1"/>
+                  </a:solidFill>
+                  <a:prstDash val="solid"/>
+                </a:ln>
+                <a:solidFill>
+                  <a:schemeClr val="tx1">
+                    <a:lumMod val="85000"/>
+                    <a:lumOff val="15000"/>
+                  </a:schemeClr>
+                </a:solidFill>
+                <a:effectLst>
+                  <a:outerShdw dist="38100" dir="2700000" algn="bl" rotWithShape="0">
+                    <a:schemeClr val="accent5"/>
+                  </a:outerShdw>
+                </a:effectLst>
+              </a:rPr>
+              <a:t>（</a:t>
+            </a:r>
+            <a:r>
+              <a:rPr lang="en-US" altLang="ja-JP" sz="2800" b="1" cap="none" spc="0" dirty="0">
+                <a:ln w="13462">
+                  <a:solidFill>
+                    <a:schemeClr val="bg1"/>
+                  </a:solidFill>
+                  <a:prstDash val="solid"/>
+                </a:ln>
+                <a:solidFill>
+                  <a:schemeClr val="tx1">
+                    <a:lumMod val="85000"/>
+                    <a:lumOff val="15000"/>
+                  </a:schemeClr>
+                </a:solidFill>
+                <a:effectLst>
+                  <a:outerShdw dist="38100" dir="2700000" algn="bl" rotWithShape="0">
+                    <a:schemeClr val="accent5"/>
+                  </a:outerShdw>
+                </a:effectLst>
+              </a:rPr>
+              <a:t>Non)</a:t>
+            </a:r>
+          </a:p>
+          <a:p>
+            <a:pPr algn="ctr"/>
+            <a:r>
+              <a:rPr lang="en-US" altLang="ja-JP" sz="2800" b="1" dirty="0">
+                <a:ln w="13462">
+                  <a:solidFill>
+                    <a:schemeClr val="bg1"/>
+                  </a:solidFill>
+                  <a:prstDash val="solid"/>
+                </a:ln>
+                <a:solidFill>
+                  <a:schemeClr val="tx1">
+                    <a:lumMod val="85000"/>
+                    <a:lumOff val="15000"/>
+                  </a:schemeClr>
+                </a:solidFill>
+                <a:effectLst>
+                  <a:outerShdw dist="38100" dir="2700000" algn="bl" rotWithShape="0">
+                    <a:schemeClr val="accent5"/>
+                  </a:outerShdw>
+                </a:effectLst>
+              </a:rPr>
+              <a:t>※</a:t>
+            </a:r>
+            <a:r>
+              <a:rPr lang="en-US" altLang="ja-JP" sz="2800" b="1" dirty="0" err="1">
+                <a:ln w="13462">
+                  <a:solidFill>
+                    <a:schemeClr val="bg1"/>
+                  </a:solidFill>
+                  <a:prstDash val="solid"/>
+                </a:ln>
+                <a:solidFill>
+                  <a:schemeClr val="tx1">
+                    <a:lumMod val="85000"/>
+                    <a:lumOff val="15000"/>
+                  </a:schemeClr>
+                </a:solidFill>
+                <a:effectLst>
+                  <a:outerShdw dist="38100" dir="2700000" algn="bl" rotWithShape="0">
+                    <a:schemeClr val="accent5"/>
+                  </a:outerShdw>
+                </a:effectLst>
+              </a:rPr>
+              <a:t>LineCreatersName</a:t>
+            </a:r>
+            <a:endParaRPr lang="ja-JP" altLang="en-US" sz="2800" b="1" cap="none" spc="0" dirty="0">
+              <a:ln w="13462">
+                <a:solidFill>
+                  <a:schemeClr val="bg1"/>
+                </a:solidFill>
+                <a:prstDash val="solid"/>
+              </a:ln>
+              <a:solidFill>
+                <a:schemeClr val="tx1">
+                  <a:lumMod val="85000"/>
+                  <a:lumOff val="15000"/>
+                </a:schemeClr>
+              </a:solidFill>
+              <a:effectLst>
+                <a:outerShdw dist="38100" dir="2700000" algn="bl" rotWithShape="0">
+                  <a:schemeClr val="accent5"/>
+                </a:outerShdw>
+              </a:effectLst>
+            </a:endParaRPr>
+          </a:p>
+        </p:txBody>
+      </p:sp>
+    </p:spTree>
+    <p:extLst>
+      <p:ext uri="{BB962C8B-B14F-4D97-AF65-F5344CB8AC3E}">
+        <p14:creationId xmlns:p14="http://schemas.microsoft.com/office/powerpoint/2010/main" val="1783944620"/>
       </p:ext>
     </p:extLst>
   </p:cSld>
@@ -13238,15 +13970,15 @@
 <ds:datastoreItem xmlns:ds="http://schemas.openxmlformats.org/officeDocument/2006/customXml" ds:itemID="{2A39986C-A5C7-4A8D-BA91-DBEF1DAB0334}">
   <ds:schemaRefs>
     <ds:schemaRef ds:uri="http://schemas.microsoft.com/office/2006/documentManagement/types"/>
-    <ds:schemaRef ds:uri="http://purl.org/dc/dcmitype/"/>
-    <ds:schemaRef ds:uri="http://www.w3.org/XML/1998/namespace"/>
+    <ds:schemaRef ds:uri="2225ab29-e826-449b-b5a5-b228c8a78d3e"/>
+    <ds:schemaRef ds:uri="be4544ac-009f-495c-abf6-5ffafb9f8fc4"/>
     <ds:schemaRef ds:uri="http://purl.org/dc/terms/"/>
     <ds:schemaRef ds:uri="http://purl.org/dc/elements/1.1/"/>
+    <ds:schemaRef ds:uri="http://purl.org/dc/dcmitype/"/>
+    <ds:schemaRef ds:uri="http://schemas.microsoft.com/office/infopath/2007/PartnerControls"/>
     <ds:schemaRef ds:uri="http://schemas.openxmlformats.org/package/2006/metadata/core-properties"/>
-    <ds:schemaRef ds:uri="be4544ac-009f-495c-abf6-5ffafb9f8fc4"/>
     <ds:schemaRef ds:uri="http://schemas.microsoft.com/office/2006/metadata/properties"/>
-    <ds:schemaRef ds:uri="2225ab29-e826-449b-b5a5-b228c8a78d3e"/>
-    <ds:schemaRef ds:uri="http://schemas.microsoft.com/office/infopath/2007/PartnerControls"/>
+    <ds:schemaRef ds:uri="http://www.w3.org/XML/1998/namespace"/>
   </ds:schemaRefs>
 </ds:datastoreItem>
 </file>

--- a/DIG-Foundations/最終報告資料.pptx
+++ b/DIG-Foundations/最終報告資料.pptx
@@ -230,7 +230,7 @@
           <inkml:channelProperty channel="Y" name="resolution" value="1000" units="1/cm"/>
         </inkml:channelProperties>
       </inkml:inkSource>
-      <inkml:timestamp xml:id="ts0" timeString="2022-12-10T09:10:19.584"/>
+      <inkml:timestamp xml:id="ts0" timeString="2022-12-11T06:35:47.302"/>
     </inkml:context>
     <inkml:brush xml:id="br0">
       <inkml:brushProperty name="width" value="0.3" units="cm"/>
@@ -241,7 +241,7 @@
       <inkml:brushProperty name="ignorePressure" value="1"/>
     </inkml:brush>
   </inkml:definitions>
-  <inkml:trace contextRef="#ctx0" brushRef="#br0">0 1,'15'0,"31"0,-1 1,69 12,-84-9,46 1,-49-4,0 1,33 7,-33-4,0-2,31 0,-36-2,0 0,1 2,-1 0,29 8,34 21,24 7,-92-34,1-1,0-1,-1 0,28 0,484-5,-523 1,0 0,0 0,0 0,0-1,0 0,-1 0,1 0,10-7,-9 6,1-1,-1 1,1 0,12-3,1 3,0 1,32 2,-34 0,0 0,0-1,31-6,-26 3,1 1,40-1,-39 3,0 0,31-7,-21 1,1 2,56 0,73 10,-149-5,-1 2,1 0,-1 1,0 0,17 7,-17-3</inkml:trace>
+  <inkml:trace contextRef="#ctx0" brushRef="#br0">1 24,'109'2,"118"-5,-152-8,-54 7,0 1,28-2,280 7,-301 1,0 2,0 0,-1 2,0 1,29 11,-31-9,1-1,0-2,1 0,-1-1,47 4,288-9,-166-3,-160 2,-1 2,69 10,-78-7,-2-2</inkml:trace>
 </inkml:ink>
 </file>
 
@@ -670,7 +670,99 @@
           <a:bodyPr/>
           <a:lstStyle/>
           <a:p>
-            <a:endParaRPr kumimoji="1" lang="ja-JP" altLang="en-US" dirty="0"/>
+            <a:r>
+              <a:rPr kumimoji="1" lang="ja-JP" altLang="en-US" dirty="0"/>
+              <a:t>みなさん、こんにちは</a:t>
+            </a:r>
+            <a:r>
+              <a:rPr kumimoji="1" lang="en-US" altLang="ja-JP" dirty="0"/>
+              <a:t>SAM</a:t>
+            </a:r>
+            <a:r>
+              <a:rPr kumimoji="1" lang="ja-JP" altLang="en-US" dirty="0"/>
+              <a:t>です。</a:t>
+            </a:r>
+            <a:endParaRPr kumimoji="1" lang="en-US" altLang="ja-JP" dirty="0"/>
+          </a:p>
+          <a:p>
+            <a:endParaRPr kumimoji="1" lang="en-US" altLang="ja-JP" dirty="0"/>
+          </a:p>
+          <a:p>
+            <a:r>
+              <a:rPr kumimoji="1" lang="ja-JP" altLang="en-US" dirty="0"/>
+              <a:t>　本日のアジェンダはこちらになります。</a:t>
+            </a:r>
+            <a:endParaRPr kumimoji="1" lang="en-US" altLang="ja-JP" dirty="0"/>
+          </a:p>
+          <a:p>
+            <a:endParaRPr kumimoji="1" lang="en-US" altLang="ja-JP" dirty="0"/>
+          </a:p>
+          <a:p>
+            <a:r>
+              <a:rPr kumimoji="1" lang="ja-JP" altLang="en-US" dirty="0"/>
+              <a:t>　　それでは、まず、アプリを見てください。</a:t>
+            </a:r>
+            <a:endParaRPr kumimoji="1" lang="en-US" altLang="ja-JP" dirty="0"/>
+          </a:p>
+          <a:p>
+            <a:endParaRPr kumimoji="1" lang="en-US" altLang="ja-JP" dirty="0"/>
+          </a:p>
+          <a:p>
+            <a:r>
+              <a:rPr kumimoji="1" lang="ja-JP" altLang="en-US" dirty="0"/>
+              <a:t>　　言わずと知れた、じゃんけんゲームを作ってみました。</a:t>
+            </a:r>
+            <a:endParaRPr kumimoji="1" lang="en-US" altLang="ja-JP" dirty="0"/>
+          </a:p>
+          <a:p>
+            <a:r>
+              <a:rPr kumimoji="1" lang="ja-JP" altLang="en-US" dirty="0"/>
+              <a:t>　　</a:t>
+            </a:r>
+            <a:endParaRPr kumimoji="1" lang="en-US" altLang="ja-JP" dirty="0"/>
+          </a:p>
+          <a:p>
+            <a:r>
+              <a:rPr kumimoji="1" lang="ja-JP" altLang="en-US" dirty="0"/>
+              <a:t>　　コンピューターを相手に、５回戦を行い、結果を表示するというものです。</a:t>
+            </a:r>
+            <a:endParaRPr kumimoji="1" lang="en-US" altLang="ja-JP" dirty="0"/>
+          </a:p>
+          <a:p>
+            <a:endParaRPr kumimoji="1" lang="en-US" altLang="ja-JP" dirty="0"/>
+          </a:p>
+          <a:p>
+            <a:r>
+              <a:rPr kumimoji="1" lang="ja-JP" altLang="en-US" dirty="0"/>
+              <a:t>　　製作期間は、２日で全部で８</a:t>
+            </a:r>
+            <a:r>
+              <a:rPr kumimoji="1" lang="en-US" altLang="ja-JP" dirty="0"/>
+              <a:t>H</a:t>
+            </a:r>
+            <a:r>
+              <a:rPr kumimoji="1" lang="ja-JP" altLang="en-US" dirty="0"/>
+              <a:t>ぐらいだと思います。</a:t>
+            </a:r>
+            <a:endParaRPr kumimoji="1" lang="en-US" altLang="ja-JP" dirty="0"/>
+          </a:p>
+          <a:p>
+            <a:endParaRPr kumimoji="1" lang="en-US" altLang="ja-JP" dirty="0"/>
+          </a:p>
+          <a:p>
+            <a:r>
+              <a:rPr kumimoji="1" lang="ja-JP" altLang="en-US" dirty="0"/>
+              <a:t>　　キャラクターは、娘に協力してもらい、今回のために１２枚ほど書いてもらいました。　　実際に</a:t>
+            </a:r>
+            <a:r>
+              <a:rPr kumimoji="1" lang="en-US" altLang="ja-JP" dirty="0"/>
+              <a:t>Line</a:t>
+            </a:r>
+            <a:r>
+              <a:rPr kumimoji="1" lang="ja-JP" altLang="en-US" dirty="0"/>
+              <a:t>スタンプ作って売ってます。　</a:t>
+            </a:r>
+            <a:endParaRPr kumimoji="1" lang="en-US" altLang="ja-JP" dirty="0"/>
           </a:p>
         </p:txBody>
       </p:sp>
@@ -701,6 +793,759 @@
     <p:extLst>
       <p:ext uri="{BB962C8B-B14F-4D97-AF65-F5344CB8AC3E}">
         <p14:creationId xmlns:p14="http://schemas.microsoft.com/office/powerpoint/2010/main" val="160588362"/>
+      </p:ext>
+    </p:extLst>
+  </p:cSld>
+  <p:clrMapOvr>
+    <a:masterClrMapping/>
+  </p:clrMapOvr>
+</p:notes>
+</file>
+
+<file path=ppt/notesSlides/notesSlide2.xml><?xml version="1.0" encoding="utf-8"?>
+<p:notes xmlns:a="http://schemas.openxmlformats.org/drawingml/2006/main" xmlns:r="http://schemas.openxmlformats.org/officeDocument/2006/relationships" xmlns:p="http://schemas.openxmlformats.org/presentationml/2006/main">
+  <p:cSld>
+    <p:spTree>
+      <p:nvGrpSpPr>
+        <p:cNvPr id="1" name=""/>
+        <p:cNvGrpSpPr/>
+        <p:nvPr/>
+      </p:nvGrpSpPr>
+      <p:grpSpPr>
+        <a:xfrm>
+          <a:off x="0" y="0"/>
+          <a:ext cx="0" cy="0"/>
+          <a:chOff x="0" y="0"/>
+          <a:chExt cx="0" cy="0"/>
+        </a:xfrm>
+      </p:grpSpPr>
+      <p:sp>
+        <p:nvSpPr>
+          <p:cNvPr id="2" name="スライド イメージ プレースホルダー 1"/>
+          <p:cNvSpPr>
+            <a:spLocks noGrp="1" noRot="1" noChangeAspect="1"/>
+          </p:cNvSpPr>
+          <p:nvPr>
+            <p:ph type="sldImg"/>
+          </p:nvPr>
+        </p:nvSpPr>
+        <p:spPr/>
+      </p:sp>
+      <p:sp>
+        <p:nvSpPr>
+          <p:cNvPr id="3" name="ノート プレースホルダー 2"/>
+          <p:cNvSpPr>
+            <a:spLocks noGrp="1"/>
+          </p:cNvSpPr>
+          <p:nvPr>
+            <p:ph type="body" idx="1"/>
+          </p:nvPr>
+        </p:nvSpPr>
+        <p:spPr/>
+        <p:txBody>
+          <a:bodyPr/>
+          <a:lstStyle/>
+          <a:p>
+            <a:r>
+              <a:rPr kumimoji="1" lang="ja-JP" altLang="en-US" dirty="0"/>
+              <a:t>それでは、今回のアプリ開発に向けて、説明させていただきます。</a:t>
+            </a:r>
+            <a:endParaRPr kumimoji="1" lang="en-US" altLang="ja-JP" dirty="0"/>
+          </a:p>
+          <a:p>
+            <a:endParaRPr kumimoji="1" lang="en-US" altLang="ja-JP" dirty="0"/>
+          </a:p>
+          <a:p>
+            <a:r>
+              <a:rPr kumimoji="1" lang="ja-JP" altLang="en-US" dirty="0"/>
+              <a:t>教えてもらった事をしっかり使って、見ようと考えました。</a:t>
+            </a:r>
+            <a:endParaRPr kumimoji="1" lang="en-US" altLang="ja-JP" dirty="0"/>
+          </a:p>
+          <a:p>
+            <a:endParaRPr kumimoji="1" lang="en-US" altLang="ja-JP" dirty="0"/>
+          </a:p>
+          <a:p>
+            <a:r>
+              <a:rPr kumimoji="1" lang="ja-JP" altLang="en-US" dirty="0"/>
+              <a:t>　今回の学びである。　</a:t>
+            </a:r>
+            <a:r>
+              <a:rPr kumimoji="1" lang="en-US" altLang="ja-JP" dirty="0" err="1"/>
+              <a:t>JSDoc</a:t>
+            </a:r>
+            <a:r>
+              <a:rPr kumimoji="1" lang="ja-JP" altLang="en-US" dirty="0"/>
+              <a:t>、疑似コード、関数シグネチャを先に考えてからプログラムする。</a:t>
+            </a:r>
+            <a:endParaRPr kumimoji="1" lang="en-US" altLang="ja-JP" dirty="0"/>
+          </a:p>
+          <a:p>
+            <a:endParaRPr kumimoji="1" lang="en-US" altLang="ja-JP" dirty="0"/>
+          </a:p>
+          <a:p>
+            <a:r>
+              <a:rPr kumimoji="1" lang="ja-JP" altLang="en-US" dirty="0"/>
+              <a:t>　コードスタイルに気を付けて、シンプルにエレガントに書く！</a:t>
+            </a:r>
+            <a:endParaRPr kumimoji="1" lang="en-US" altLang="ja-JP" dirty="0"/>
+          </a:p>
+          <a:p>
+            <a:endParaRPr kumimoji="1" lang="en-US" altLang="ja-JP" dirty="0"/>
+          </a:p>
+          <a:p>
+            <a:r>
+              <a:rPr kumimoji="1" lang="ja-JP" altLang="en-US" dirty="0"/>
+              <a:t>　説明書がなくても使えるものを作る！</a:t>
+            </a:r>
+            <a:endParaRPr kumimoji="1" lang="en-US" altLang="ja-JP" dirty="0"/>
+          </a:p>
+          <a:p>
+            <a:endParaRPr kumimoji="1" lang="en-US" altLang="ja-JP" dirty="0"/>
+          </a:p>
+          <a:p>
+            <a:r>
+              <a:rPr kumimoji="1" lang="ja-JP" altLang="en-US" dirty="0"/>
+              <a:t>　　</a:t>
+            </a:r>
+            <a:r>
+              <a:rPr kumimoji="1" lang="en-US" altLang="ja-JP" dirty="0"/>
+              <a:t>You</a:t>
+            </a:r>
+            <a:r>
+              <a:rPr kumimoji="1" lang="ja-JP" altLang="en-US" dirty="0"/>
+              <a:t>の視点で！ということにこだわりました。</a:t>
+            </a:r>
+            <a:endParaRPr kumimoji="1" lang="en-US" altLang="ja-JP" dirty="0"/>
+          </a:p>
+        </p:txBody>
+      </p:sp>
+      <p:sp>
+        <p:nvSpPr>
+          <p:cNvPr id="4" name="スライド番号プレースホルダー 3"/>
+          <p:cNvSpPr>
+            <a:spLocks noGrp="1"/>
+          </p:cNvSpPr>
+          <p:nvPr>
+            <p:ph type="sldNum" sz="quarter" idx="5"/>
+          </p:nvPr>
+        </p:nvSpPr>
+        <p:spPr/>
+        <p:txBody>
+          <a:bodyPr/>
+          <a:lstStyle/>
+          <a:p>
+            <a:fld id="{3BCF8503-C096-4068-8827-E84BB0031FC7}" type="slidenum">
+              <a:rPr kumimoji="1" lang="ja-JP" altLang="en-US" smtClean="0"/>
+              <a:t>2</a:t>
+            </a:fld>
+            <a:endParaRPr kumimoji="1" lang="ja-JP" altLang="en-US"/>
+          </a:p>
+        </p:txBody>
+      </p:sp>
+    </p:spTree>
+    <p:extLst>
+      <p:ext uri="{BB962C8B-B14F-4D97-AF65-F5344CB8AC3E}">
+        <p14:creationId xmlns:p14="http://schemas.microsoft.com/office/powerpoint/2010/main" val="2863372024"/>
+      </p:ext>
+    </p:extLst>
+  </p:cSld>
+  <p:clrMapOvr>
+    <a:masterClrMapping/>
+  </p:clrMapOvr>
+</p:notes>
+</file>
+
+<file path=ppt/notesSlides/notesSlide3.xml><?xml version="1.0" encoding="utf-8"?>
+<p:notes xmlns:a="http://schemas.openxmlformats.org/drawingml/2006/main" xmlns:r="http://schemas.openxmlformats.org/officeDocument/2006/relationships" xmlns:p="http://schemas.openxmlformats.org/presentationml/2006/main">
+  <p:cSld>
+    <p:spTree>
+      <p:nvGrpSpPr>
+        <p:cNvPr id="1" name=""/>
+        <p:cNvGrpSpPr/>
+        <p:nvPr/>
+      </p:nvGrpSpPr>
+      <p:grpSpPr>
+        <a:xfrm>
+          <a:off x="0" y="0"/>
+          <a:ext cx="0" cy="0"/>
+          <a:chOff x="0" y="0"/>
+          <a:chExt cx="0" cy="0"/>
+        </a:xfrm>
+      </p:grpSpPr>
+      <p:sp>
+        <p:nvSpPr>
+          <p:cNvPr id="2" name="スライド イメージ プレースホルダー 1"/>
+          <p:cNvSpPr>
+            <a:spLocks noGrp="1" noRot="1" noChangeAspect="1"/>
+          </p:cNvSpPr>
+          <p:nvPr>
+            <p:ph type="sldImg"/>
+          </p:nvPr>
+        </p:nvSpPr>
+        <p:spPr/>
+      </p:sp>
+      <p:sp>
+        <p:nvSpPr>
+          <p:cNvPr id="3" name="ノート プレースホルダー 2"/>
+          <p:cNvSpPr>
+            <a:spLocks noGrp="1"/>
+          </p:cNvSpPr>
+          <p:nvPr>
+            <p:ph type="body" idx="1"/>
+          </p:nvPr>
+        </p:nvSpPr>
+        <p:spPr/>
+        <p:txBody>
+          <a:bodyPr/>
+          <a:lstStyle/>
+          <a:p>
+            <a:r>
+              <a:rPr kumimoji="1" lang="ja-JP" altLang="en-US" dirty="0"/>
+              <a:t>次に、くふうした点と気づきになりますが、今回画像を扱うため、処理を提出時に変更するに事が解っていましたので、</a:t>
+            </a:r>
+            <a:endParaRPr kumimoji="1" lang="en-US" altLang="ja-JP" dirty="0"/>
+          </a:p>
+          <a:p>
+            <a:r>
+              <a:rPr kumimoji="1" lang="ja-JP" altLang="en-US" dirty="0"/>
+              <a:t>オブジェクト化して最初に書き込めるように実装しました。</a:t>
+            </a:r>
+            <a:endParaRPr kumimoji="1" lang="en-US" altLang="ja-JP" dirty="0"/>
+          </a:p>
+          <a:p>
+            <a:endParaRPr kumimoji="1" lang="en-US" altLang="ja-JP" dirty="0"/>
+          </a:p>
+          <a:p>
+            <a:r>
+              <a:rPr kumimoji="1" lang="ja-JP" altLang="en-US" dirty="0"/>
+              <a:t>　この処理により、画像データの呼び出しが簡単になりました。</a:t>
+            </a:r>
+            <a:endParaRPr kumimoji="1" lang="en-US" altLang="ja-JP" dirty="0"/>
+          </a:p>
+          <a:p>
+            <a:endParaRPr kumimoji="1" lang="en-US" altLang="ja-JP" dirty="0"/>
+          </a:p>
+          <a:p>
+            <a:r>
+              <a:rPr kumimoji="1" lang="ja-JP" altLang="en-US" dirty="0"/>
+              <a:t>また、</a:t>
+            </a:r>
+            <a:r>
+              <a:rPr kumimoji="1" lang="en-US" altLang="ja-JP" dirty="0"/>
+              <a:t>JSDOC</a:t>
+            </a:r>
+            <a:r>
+              <a:rPr kumimoji="1" lang="ja-JP" altLang="en-US" dirty="0"/>
+              <a:t>をしっかり書くことで、途中で、関数を使う際、引数が何かをポップアップできる</a:t>
+            </a:r>
+            <a:endParaRPr kumimoji="1" lang="en-US" altLang="ja-JP" dirty="0"/>
+          </a:p>
+          <a:p>
+            <a:r>
+              <a:rPr kumimoji="1" lang="ja-JP" altLang="en-US" dirty="0"/>
+              <a:t>機能は非常に便利だな！と感じました。</a:t>
+            </a:r>
+            <a:endParaRPr kumimoji="1" lang="en-US" altLang="ja-JP" dirty="0"/>
+          </a:p>
+        </p:txBody>
+      </p:sp>
+      <p:sp>
+        <p:nvSpPr>
+          <p:cNvPr id="4" name="スライド番号プレースホルダー 3"/>
+          <p:cNvSpPr>
+            <a:spLocks noGrp="1"/>
+          </p:cNvSpPr>
+          <p:nvPr>
+            <p:ph type="sldNum" sz="quarter" idx="5"/>
+          </p:nvPr>
+        </p:nvSpPr>
+        <p:spPr/>
+        <p:txBody>
+          <a:bodyPr/>
+          <a:lstStyle/>
+          <a:p>
+            <a:fld id="{3BCF8503-C096-4068-8827-E84BB0031FC7}" type="slidenum">
+              <a:rPr kumimoji="1" lang="ja-JP" altLang="en-US" smtClean="0"/>
+              <a:t>3</a:t>
+            </a:fld>
+            <a:endParaRPr kumimoji="1" lang="ja-JP" altLang="en-US"/>
+          </a:p>
+        </p:txBody>
+      </p:sp>
+    </p:spTree>
+    <p:extLst>
+      <p:ext uri="{BB962C8B-B14F-4D97-AF65-F5344CB8AC3E}">
+        <p14:creationId xmlns:p14="http://schemas.microsoft.com/office/powerpoint/2010/main" val="3855266506"/>
+      </p:ext>
+    </p:extLst>
+  </p:cSld>
+  <p:clrMapOvr>
+    <a:masterClrMapping/>
+  </p:clrMapOvr>
+</p:notes>
+</file>
+
+<file path=ppt/notesSlides/notesSlide4.xml><?xml version="1.0" encoding="utf-8"?>
+<p:notes xmlns:a="http://schemas.openxmlformats.org/drawingml/2006/main" xmlns:r="http://schemas.openxmlformats.org/officeDocument/2006/relationships" xmlns:p="http://schemas.openxmlformats.org/presentationml/2006/main">
+  <p:cSld>
+    <p:spTree>
+      <p:nvGrpSpPr>
+        <p:cNvPr id="1" name=""/>
+        <p:cNvGrpSpPr/>
+        <p:nvPr/>
+      </p:nvGrpSpPr>
+      <p:grpSpPr>
+        <a:xfrm>
+          <a:off x="0" y="0"/>
+          <a:ext cx="0" cy="0"/>
+          <a:chOff x="0" y="0"/>
+          <a:chExt cx="0" cy="0"/>
+        </a:xfrm>
+      </p:grpSpPr>
+      <p:sp>
+        <p:nvSpPr>
+          <p:cNvPr id="2" name="スライド イメージ プレースホルダー 1"/>
+          <p:cNvSpPr>
+            <a:spLocks noGrp="1" noRot="1" noChangeAspect="1"/>
+          </p:cNvSpPr>
+          <p:nvPr>
+            <p:ph type="sldImg"/>
+          </p:nvPr>
+        </p:nvSpPr>
+        <p:spPr/>
+      </p:sp>
+      <p:sp>
+        <p:nvSpPr>
+          <p:cNvPr id="3" name="ノート プレースホルダー 2"/>
+          <p:cNvSpPr>
+            <a:spLocks noGrp="1"/>
+          </p:cNvSpPr>
+          <p:nvPr>
+            <p:ph type="body" idx="1"/>
+          </p:nvPr>
+        </p:nvSpPr>
+        <p:spPr/>
+        <p:txBody>
+          <a:bodyPr/>
+          <a:lstStyle/>
+          <a:p>
+            <a:r>
+              <a:rPr kumimoji="1" lang="ja-JP" altLang="en-US" dirty="0"/>
+              <a:t>更に、見やすい構成、タイミングを計るため、少しの間待つ関数を探したのですが、見つからず。</a:t>
+            </a:r>
+            <a:endParaRPr kumimoji="1" lang="en-US" altLang="ja-JP" dirty="0"/>
+          </a:p>
+          <a:p>
+            <a:endParaRPr kumimoji="1" lang="en-US" altLang="ja-JP" dirty="0"/>
+          </a:p>
+          <a:p>
+            <a:r>
+              <a:rPr kumimoji="1" lang="ja-JP" altLang="en-US" dirty="0"/>
+              <a:t>それなら、作ってみようとチャレンジしました。</a:t>
+            </a:r>
+            <a:endParaRPr kumimoji="1" lang="en-US" altLang="ja-JP" dirty="0"/>
+          </a:p>
+          <a:p>
+            <a:r>
+              <a:rPr kumimoji="1" lang="ja-JP" altLang="en-US" dirty="0"/>
+              <a:t>　</a:t>
+            </a:r>
+            <a:r>
+              <a:rPr kumimoji="1" lang="en-US" altLang="ja-JP" dirty="0"/>
+              <a:t>While</a:t>
+            </a:r>
+            <a:r>
+              <a:rPr kumimoji="1" lang="ja-JP" altLang="en-US" dirty="0"/>
+              <a:t>関数と</a:t>
+            </a:r>
+            <a:r>
+              <a:rPr kumimoji="1" lang="en-US" altLang="ja-JP" dirty="0"/>
+              <a:t>Date</a:t>
+            </a:r>
+            <a:r>
+              <a:rPr kumimoji="1" lang="ja-JP" altLang="en-US" dirty="0"/>
+              <a:t>関数を使い実装することができました。</a:t>
+            </a:r>
+            <a:endParaRPr kumimoji="1" lang="en-US" altLang="ja-JP" dirty="0"/>
+          </a:p>
+          <a:p>
+            <a:endParaRPr kumimoji="1" lang="en-US" altLang="ja-JP" dirty="0"/>
+          </a:p>
+          <a:p>
+            <a:r>
+              <a:rPr kumimoji="1" lang="ja-JP" altLang="en-US" dirty="0"/>
+              <a:t>　また、毎日見ていたユニコーンに触発され、動きのある画像が取り込みたくなりました。</a:t>
+            </a:r>
+            <a:endParaRPr kumimoji="1" lang="en-US" altLang="ja-JP" dirty="0"/>
+          </a:p>
+          <a:p>
+            <a:endParaRPr kumimoji="1" lang="en-US" altLang="ja-JP" dirty="0"/>
+          </a:p>
+          <a:p>
+            <a:r>
+              <a:rPr kumimoji="1" lang="ja-JP" altLang="en-US" dirty="0"/>
+              <a:t>今回、</a:t>
+            </a:r>
+            <a:r>
+              <a:rPr kumimoji="1" lang="en-US" altLang="ja-JP" dirty="0"/>
+              <a:t>gif</a:t>
+            </a:r>
+            <a:r>
+              <a:rPr kumimoji="1" lang="ja-JP" altLang="en-US" dirty="0"/>
+              <a:t>の仕組みと作り方を勉強し、動きのある画像を実装することができました。</a:t>
+            </a:r>
+            <a:endParaRPr kumimoji="1" lang="en-US" altLang="ja-JP" dirty="0"/>
+          </a:p>
+          <a:p>
+            <a:endParaRPr kumimoji="1" lang="en-US" altLang="ja-JP" dirty="0"/>
+          </a:p>
+          <a:p>
+            <a:r>
+              <a:rPr kumimoji="1" lang="ja-JP" altLang="en-US" dirty="0"/>
+              <a:t>　まだ、まだ、くふうと、改善案を上げればきりがないと思いますがアプリ説明は以上にさせていただきます。</a:t>
+            </a:r>
+          </a:p>
+        </p:txBody>
+      </p:sp>
+      <p:sp>
+        <p:nvSpPr>
+          <p:cNvPr id="4" name="スライド番号プレースホルダー 3"/>
+          <p:cNvSpPr>
+            <a:spLocks noGrp="1"/>
+          </p:cNvSpPr>
+          <p:nvPr>
+            <p:ph type="sldNum" sz="quarter" idx="5"/>
+          </p:nvPr>
+        </p:nvSpPr>
+        <p:spPr/>
+        <p:txBody>
+          <a:bodyPr/>
+          <a:lstStyle/>
+          <a:p>
+            <a:fld id="{3BCF8503-C096-4068-8827-E84BB0031FC7}" type="slidenum">
+              <a:rPr kumimoji="1" lang="ja-JP" altLang="en-US" smtClean="0"/>
+              <a:t>4</a:t>
+            </a:fld>
+            <a:endParaRPr kumimoji="1" lang="ja-JP" altLang="en-US"/>
+          </a:p>
+        </p:txBody>
+      </p:sp>
+    </p:spTree>
+    <p:extLst>
+      <p:ext uri="{BB962C8B-B14F-4D97-AF65-F5344CB8AC3E}">
+        <p14:creationId xmlns:p14="http://schemas.microsoft.com/office/powerpoint/2010/main" val="3300225616"/>
+      </p:ext>
+    </p:extLst>
+  </p:cSld>
+  <p:clrMapOvr>
+    <a:masterClrMapping/>
+  </p:clrMapOvr>
+</p:notes>
+</file>
+
+<file path=ppt/notesSlides/notesSlide5.xml><?xml version="1.0" encoding="utf-8"?>
+<p:notes xmlns:a="http://schemas.openxmlformats.org/drawingml/2006/main" xmlns:r="http://schemas.openxmlformats.org/officeDocument/2006/relationships" xmlns:p="http://schemas.openxmlformats.org/presentationml/2006/main">
+  <p:cSld>
+    <p:spTree>
+      <p:nvGrpSpPr>
+        <p:cNvPr id="1" name=""/>
+        <p:cNvGrpSpPr/>
+        <p:nvPr/>
+      </p:nvGrpSpPr>
+      <p:grpSpPr>
+        <a:xfrm>
+          <a:off x="0" y="0"/>
+          <a:ext cx="0" cy="0"/>
+          <a:chOff x="0" y="0"/>
+          <a:chExt cx="0" cy="0"/>
+        </a:xfrm>
+      </p:grpSpPr>
+      <p:sp>
+        <p:nvSpPr>
+          <p:cNvPr id="2" name="スライド イメージ プレースホルダー 1"/>
+          <p:cNvSpPr>
+            <a:spLocks noGrp="1" noRot="1" noChangeAspect="1"/>
+          </p:cNvSpPr>
+          <p:nvPr>
+            <p:ph type="sldImg"/>
+          </p:nvPr>
+        </p:nvSpPr>
+        <p:spPr/>
+      </p:sp>
+      <p:sp>
+        <p:nvSpPr>
+          <p:cNvPr id="3" name="ノート プレースホルダー 2"/>
+          <p:cNvSpPr>
+            <a:spLocks noGrp="1"/>
+          </p:cNvSpPr>
+          <p:nvPr>
+            <p:ph type="body" idx="1"/>
+          </p:nvPr>
+        </p:nvSpPr>
+        <p:spPr/>
+        <p:txBody>
+          <a:bodyPr/>
+          <a:lstStyle/>
+          <a:p>
+            <a:r>
+              <a:rPr kumimoji="1" lang="ja-JP" altLang="en-US" dirty="0"/>
+              <a:t>今後に向けて、、　</a:t>
+            </a:r>
+            <a:endParaRPr kumimoji="1" lang="en-US" altLang="ja-JP" dirty="0"/>
+          </a:p>
+          <a:p>
+            <a:endParaRPr kumimoji="1" lang="en-US" altLang="ja-JP" dirty="0"/>
+          </a:p>
+          <a:p>
+            <a:r>
+              <a:rPr kumimoji="1" lang="ja-JP" altLang="en-US" dirty="0"/>
+              <a:t>　私は、独学で今までプログラムを作ってきました。</a:t>
+            </a:r>
+            <a:endParaRPr kumimoji="1" lang="en-US" altLang="ja-JP" dirty="0"/>
+          </a:p>
+          <a:p>
+            <a:endParaRPr kumimoji="1" lang="en-US" altLang="ja-JP" dirty="0"/>
+          </a:p>
+          <a:p>
+            <a:r>
+              <a:rPr kumimoji="1" lang="ja-JP" altLang="en-US" dirty="0"/>
+              <a:t>　作ったものが動けば、正解だ！と思い満足していました。</a:t>
+            </a:r>
+            <a:endParaRPr kumimoji="1" lang="en-US" altLang="ja-JP" dirty="0"/>
+          </a:p>
+          <a:p>
+            <a:r>
+              <a:rPr kumimoji="1" lang="ja-JP" altLang="en-US" dirty="0"/>
+              <a:t>　　そのため、ほかの人がコードを見ても分からないプログラムを書き続けていたな。　と反省しています。</a:t>
+            </a:r>
+            <a:endParaRPr kumimoji="1" lang="en-US" altLang="ja-JP" dirty="0"/>
+          </a:p>
+          <a:p>
+            <a:endParaRPr kumimoji="1" lang="en-US" altLang="ja-JP" dirty="0"/>
+          </a:p>
+          <a:p>
+            <a:r>
+              <a:rPr kumimoji="1" lang="ja-JP" altLang="en-US" dirty="0"/>
+              <a:t>　今回、基礎講座に参加して、基本を少し学べたと思います。</a:t>
+            </a:r>
+            <a:endParaRPr kumimoji="1" lang="en-US" altLang="ja-JP" dirty="0"/>
+          </a:p>
+          <a:p>
+            <a:r>
+              <a:rPr kumimoji="1" lang="ja-JP" altLang="en-US" dirty="0"/>
+              <a:t>　また、ペアで知識を補うことで、いろいろな考え方を気づかされる事を学びました。</a:t>
+            </a:r>
+            <a:endParaRPr kumimoji="1" lang="en-US" altLang="ja-JP" dirty="0"/>
+          </a:p>
+          <a:p>
+            <a:endParaRPr kumimoji="1" lang="en-US" altLang="ja-JP" dirty="0"/>
+          </a:p>
+          <a:p>
+            <a:pPr marL="0" marR="0" lvl="0" indent="0" algn="l" defTabSz="914400" rtl="0" eaLnBrk="1" fontAlgn="auto" latinLnBrk="0" hangingPunct="1">
+              <a:lnSpc>
+                <a:spcPct val="100000"/>
+              </a:lnSpc>
+              <a:spcBef>
+                <a:spcPts val="0"/>
+              </a:spcBef>
+              <a:spcAft>
+                <a:spcPts val="0"/>
+              </a:spcAft>
+              <a:buClrTx/>
+              <a:buSzTx/>
+              <a:buFontTx/>
+              <a:buNone/>
+              <a:tabLst/>
+              <a:defRPr/>
+            </a:pPr>
+            <a:r>
+              <a:rPr kumimoji="1" lang="ja-JP" altLang="en-US" dirty="0"/>
+              <a:t>　まだまだ、覚えないといけないこともたくさんありますが、「大事な事は続けること！」だと思いますので</a:t>
+            </a:r>
+            <a:endParaRPr kumimoji="1" lang="en-US" altLang="ja-JP" dirty="0"/>
+          </a:p>
+          <a:p>
+            <a:pPr marL="0" marR="0" lvl="0" indent="0" algn="l" defTabSz="914400" rtl="0" eaLnBrk="1" fontAlgn="auto" latinLnBrk="0" hangingPunct="1">
+              <a:lnSpc>
+                <a:spcPct val="100000"/>
+              </a:lnSpc>
+              <a:spcBef>
+                <a:spcPts val="0"/>
+              </a:spcBef>
+              <a:spcAft>
+                <a:spcPts val="0"/>
+              </a:spcAft>
+              <a:buClrTx/>
+              <a:buSzTx/>
+              <a:buFontTx/>
+              <a:buNone/>
+              <a:tabLst/>
+              <a:defRPr/>
+            </a:pPr>
+            <a:r>
+              <a:rPr kumimoji="1" lang="ja-JP" altLang="en-US" dirty="0"/>
+              <a:t>今後もプログラミング続けていきたいと思います。</a:t>
+            </a:r>
+            <a:endParaRPr kumimoji="1" lang="en-US" altLang="ja-JP" dirty="0"/>
+          </a:p>
+          <a:p>
+            <a:pPr marL="0" marR="0" lvl="0" indent="0" algn="l" defTabSz="914400" rtl="0" eaLnBrk="1" fontAlgn="auto" latinLnBrk="0" hangingPunct="1">
+              <a:lnSpc>
+                <a:spcPct val="100000"/>
+              </a:lnSpc>
+              <a:spcBef>
+                <a:spcPts val="0"/>
+              </a:spcBef>
+              <a:spcAft>
+                <a:spcPts val="0"/>
+              </a:spcAft>
+              <a:buClrTx/>
+              <a:buSzTx/>
+              <a:buFontTx/>
+              <a:buNone/>
+              <a:tabLst/>
+              <a:defRPr/>
+            </a:pPr>
+            <a:endParaRPr kumimoji="1" lang="en-US" altLang="ja-JP" dirty="0"/>
+          </a:p>
+          <a:p>
+            <a:pPr marL="0" marR="0" lvl="0" indent="0" algn="l" defTabSz="914400" rtl="0" eaLnBrk="1" fontAlgn="auto" latinLnBrk="0" hangingPunct="1">
+              <a:lnSpc>
+                <a:spcPct val="100000"/>
+              </a:lnSpc>
+              <a:spcBef>
+                <a:spcPts val="0"/>
+              </a:spcBef>
+              <a:spcAft>
+                <a:spcPts val="0"/>
+              </a:spcAft>
+              <a:buClrTx/>
+              <a:buSzTx/>
+              <a:buFontTx/>
+              <a:buNone/>
+              <a:tabLst/>
+              <a:defRPr/>
+            </a:pPr>
+            <a:r>
+              <a:rPr kumimoji="1" lang="ja-JP" altLang="en-US" dirty="0"/>
+              <a:t>　　講師の先生方、メンバーの皆さん本当に、ありがとうございました。</a:t>
+            </a:r>
+            <a:endParaRPr kumimoji="1" lang="en-US" altLang="ja-JP" dirty="0"/>
+          </a:p>
+          <a:p>
+            <a:pPr marL="0" marR="0" lvl="0" indent="0" algn="l" defTabSz="914400" rtl="0" eaLnBrk="1" fontAlgn="auto" latinLnBrk="0" hangingPunct="1">
+              <a:lnSpc>
+                <a:spcPct val="100000"/>
+              </a:lnSpc>
+              <a:spcBef>
+                <a:spcPts val="0"/>
+              </a:spcBef>
+              <a:spcAft>
+                <a:spcPts val="0"/>
+              </a:spcAft>
+              <a:buClrTx/>
+              <a:buSzTx/>
+              <a:buFontTx/>
+              <a:buNone/>
+              <a:tabLst/>
+              <a:defRPr/>
+            </a:pPr>
+            <a:endParaRPr kumimoji="1" lang="en-US" altLang="ja-JP" dirty="0"/>
+          </a:p>
+          <a:p>
+            <a:pPr marL="0" marR="0" lvl="0" indent="0" algn="l" defTabSz="914400" rtl="0" eaLnBrk="1" fontAlgn="auto" latinLnBrk="0" hangingPunct="1">
+              <a:lnSpc>
+                <a:spcPct val="100000"/>
+              </a:lnSpc>
+              <a:spcBef>
+                <a:spcPts val="0"/>
+              </a:spcBef>
+              <a:spcAft>
+                <a:spcPts val="0"/>
+              </a:spcAft>
+              <a:buClrTx/>
+              <a:buSzTx/>
+              <a:buFontTx/>
+              <a:buNone/>
+              <a:tabLst/>
+              <a:defRPr/>
+            </a:pPr>
+            <a:r>
+              <a:rPr kumimoji="1" lang="ja-JP" altLang="en-US" dirty="0"/>
+              <a:t>ご清聴ありがとうございました。</a:t>
+            </a:r>
+            <a:endParaRPr kumimoji="1" lang="en-US" altLang="ja-JP" dirty="0"/>
+          </a:p>
+          <a:p>
+            <a:pPr marL="0" marR="0" lvl="0" indent="0" algn="l" defTabSz="914400" rtl="0" eaLnBrk="1" fontAlgn="auto" latinLnBrk="0" hangingPunct="1">
+              <a:lnSpc>
+                <a:spcPct val="100000"/>
+              </a:lnSpc>
+              <a:spcBef>
+                <a:spcPts val="0"/>
+              </a:spcBef>
+              <a:spcAft>
+                <a:spcPts val="0"/>
+              </a:spcAft>
+              <a:buClrTx/>
+              <a:buSzTx/>
+              <a:buFontTx/>
+              <a:buNone/>
+              <a:tabLst/>
+              <a:defRPr/>
+            </a:pPr>
+            <a:r>
+              <a:rPr kumimoji="1" lang="ja-JP" altLang="en-US" dirty="0"/>
+              <a:t>　　</a:t>
+            </a:r>
+            <a:endParaRPr kumimoji="1" lang="en-US" altLang="ja-JP" dirty="0"/>
+          </a:p>
+          <a:p>
+            <a:endParaRPr kumimoji="1" lang="en-US" altLang="ja-JP" dirty="0"/>
+          </a:p>
+          <a:p>
+            <a:r>
+              <a:rPr kumimoji="1" lang="ja-JP" altLang="en-US" dirty="0"/>
+              <a:t>　</a:t>
+            </a:r>
+            <a:endParaRPr kumimoji="1" lang="en-US" altLang="ja-JP" dirty="0"/>
+          </a:p>
+          <a:p>
+            <a:endParaRPr kumimoji="1" lang="en-US" altLang="ja-JP" dirty="0"/>
+          </a:p>
+          <a:p>
+            <a:endParaRPr kumimoji="1" lang="ja-JP" altLang="en-US" dirty="0"/>
+          </a:p>
+        </p:txBody>
+      </p:sp>
+      <p:sp>
+        <p:nvSpPr>
+          <p:cNvPr id="4" name="スライド番号プレースホルダー 3"/>
+          <p:cNvSpPr>
+            <a:spLocks noGrp="1"/>
+          </p:cNvSpPr>
+          <p:nvPr>
+            <p:ph type="sldNum" sz="quarter" idx="5"/>
+          </p:nvPr>
+        </p:nvSpPr>
+        <p:spPr/>
+        <p:txBody>
+          <a:bodyPr/>
+          <a:lstStyle/>
+          <a:p>
+            <a:fld id="{3BCF8503-C096-4068-8827-E84BB0031FC7}" type="slidenum">
+              <a:rPr kumimoji="1" lang="ja-JP" altLang="en-US" smtClean="0"/>
+              <a:t>5</a:t>
+            </a:fld>
+            <a:endParaRPr kumimoji="1" lang="ja-JP" altLang="en-US"/>
+          </a:p>
+        </p:txBody>
+      </p:sp>
+    </p:spTree>
+    <p:extLst>
+      <p:ext uri="{BB962C8B-B14F-4D97-AF65-F5344CB8AC3E}">
+        <p14:creationId xmlns:p14="http://schemas.microsoft.com/office/powerpoint/2010/main" val="2602873762"/>
       </p:ext>
     </p:extLst>
   </p:cSld>
@@ -9264,7 +10109,7 @@
           <a:p>
             <a:r>
               <a:rPr lang="ja-JP" altLang="en-US" sz="2400" dirty="0"/>
-              <a:t>１）　制作アプリのお披露目。</a:t>
+              <a:t>１）　制作アプリのお披露目。　　　　　　　　　　４０秒</a:t>
             </a:r>
             <a:endParaRPr lang="en-US" altLang="ja-JP" sz="2400" dirty="0"/>
           </a:p>
@@ -9274,7 +10119,7 @@
           <a:p>
             <a:r>
               <a:rPr lang="ja-JP" altLang="en-US" sz="2400" dirty="0"/>
-              <a:t>２）　アプリ制作に向けた、考え方について。</a:t>
+              <a:t>２）　アプリ制作に向けた、考え方について。　　　５０秒</a:t>
             </a:r>
             <a:endParaRPr lang="en-US" altLang="ja-JP" sz="2400" dirty="0"/>
           </a:p>
@@ -9284,7 +10129,7 @@
           <a:p>
             <a:r>
               <a:rPr lang="ja-JP" altLang="en-US" sz="2400" dirty="0"/>
-              <a:t>３）　くふう点と、身についた事。</a:t>
+              <a:t>３）　くふう点と、身についた事。　　　　　　　　５０秒</a:t>
             </a:r>
             <a:endParaRPr lang="en-US" altLang="ja-JP" sz="2400" dirty="0"/>
           </a:p>
@@ -9294,7 +10139,7 @@
           <a:p>
             <a:r>
               <a:rPr lang="ja-JP" altLang="en-US" sz="2400" dirty="0"/>
-              <a:t>４）　今後のに向けて。</a:t>
+              <a:t>４）　今後のに向けて。　　　　　　　　　　　　　４０秒　　</a:t>
             </a:r>
             <a:endParaRPr lang="en-US" altLang="ja-JP" sz="2400" dirty="0"/>
           </a:p>
@@ -9429,7 +10274,7 @@
           <a:p>
             <a:r>
               <a:rPr lang="ja-JP" altLang="en-US" dirty="0"/>
-              <a:t>　　　　　　実際は、まだ食べ切れてませんが、、、　そこは内緒！</a:t>
+              <a:t>　　　　実際は、まだ全部、食べ切れてませんが、、、　そこは内緒！</a:t>
             </a:r>
             <a:endParaRPr lang="en-US" altLang="ja-JP" dirty="0"/>
           </a:p>
@@ -9558,7 +10403,7 @@
         <p:spPr>
           <a:xfrm>
             <a:off x="1376300" y="96960"/>
-            <a:ext cx="4801314" cy="461665"/>
+            <a:ext cx="4185761" cy="461665"/>
           </a:xfrm>
           <a:prstGeom prst="rect">
             <a:avLst/>
@@ -9598,7 +10443,7 @@
                   </a:outerShdw>
                 </a:effectLst>
               </a:rPr>
-              <a:t>２．教えていただいた事を使う！</a:t>
+              <a:t>２．教えて頂いた事を使う！</a:t>
             </a:r>
             <a:endParaRPr lang="en-US" altLang="ja-JP" sz="2400" b="1" dirty="0">
               <a:effectLst>
@@ -9670,7 +10515,7 @@
               <p:nvPr/>
             </p:nvPicPr>
             <p:blipFill>
-              <a:blip r:embed="rId2" cstate="print">
+              <a:blip r:embed="rId3" cstate="print">
                 <a:extLst>
                   <a:ext uri="{28A0092B-C50C-407E-A947-70E740481C1C}">
                     <a14:useLocalDpi xmlns:a14="http://schemas.microsoft.com/office/drawing/2010/main" val="0"/>
@@ -9798,7 +10643,7 @@
               <p:nvPr/>
             </p:nvPicPr>
             <p:blipFill>
-              <a:blip r:embed="rId3"/>
+              <a:blip r:embed="rId4"/>
               <a:stretch>
                 <a:fillRect/>
               </a:stretch>
@@ -9890,7 +10735,7 @@
         <p:spPr>
           <a:xfrm>
             <a:off x="1139125" y="824117"/>
-            <a:ext cx="10864313" cy="5447645"/>
+            <a:ext cx="10864313" cy="5816977"/>
           </a:xfrm>
           <a:prstGeom prst="rect">
             <a:avLst/>
@@ -9940,6 +10785,9 @@
               <a:rPr kumimoji="1" lang="ja-JP" altLang="en-US" sz="2400" dirty="0"/>
               <a:t>満たすように進めました。</a:t>
             </a:r>
+            <a:endParaRPr kumimoji="1" lang="en-US" altLang="ja-JP" sz="2400" dirty="0"/>
+          </a:p>
+          <a:p>
             <a:endParaRPr kumimoji="1" lang="en-US" altLang="ja-JP" sz="2400" dirty="0"/>
           </a:p>
           <a:p>
@@ -10098,7 +10946,26 @@
           <a:p>
             <a:r>
               <a:rPr lang="ja-JP" altLang="en-US" sz="2400" dirty="0"/>
-              <a:t>５）　説明がなくても、使えるアプリを考えて実装してみる。</a:t>
+              <a:t>５）　説明がなくても、</a:t>
+            </a:r>
+            <a:r>
+              <a:rPr lang="ja-JP" altLang="en-US" sz="2400" b="1" dirty="0">
+                <a:solidFill>
+                  <a:srgbClr val="FF0000"/>
+                </a:solidFill>
+                <a:effectLst>
+                  <a:outerShdw blurRad="38100" dist="38100" dir="2700000" algn="tl">
+                    <a:srgbClr val="000000">
+                      <a:alpha val="43137"/>
+                    </a:srgbClr>
+                  </a:outerShdw>
+                </a:effectLst>
+              </a:rPr>
+              <a:t>使えるアプリを考えて実装</a:t>
+            </a:r>
+            <a:r>
+              <a:rPr lang="ja-JP" altLang="en-US" sz="2400" dirty="0"/>
+              <a:t>してみる。</a:t>
             </a:r>
             <a:endParaRPr lang="en-US" altLang="ja-JP" sz="2400" dirty="0"/>
           </a:p>
@@ -10258,7 +11125,7 @@
               <p:nvPr/>
             </p:nvPicPr>
             <p:blipFill>
-              <a:blip r:embed="rId2" cstate="print">
+              <a:blip r:embed="rId3" cstate="print">
                 <a:extLst>
                   <a:ext uri="{28A0092B-C50C-407E-A947-70E740481C1C}">
                     <a14:useLocalDpi xmlns:a14="http://schemas.microsoft.com/office/drawing/2010/main" val="0"/>
@@ -10386,7 +11253,7 @@
               <p:nvPr/>
             </p:nvPicPr>
             <p:blipFill>
-              <a:blip r:embed="rId3"/>
+              <a:blip r:embed="rId4"/>
               <a:stretch>
                 <a:fillRect/>
               </a:stretch>
@@ -10493,7 +11360,7 @@
           <a:p>
             <a:r>
               <a:rPr lang="ja-JP" altLang="en-US" sz="2400" dirty="0"/>
-              <a:t>　　　</a:t>
+              <a:t>　　　 ・</a:t>
             </a:r>
             <a:r>
               <a:rPr lang="en-US" altLang="ja-JP" sz="2800" b="1" dirty="0" err="1">
@@ -10519,80 +11386,6 @@
             <a:extLst>
               <a:ext uri="{FF2B5EF4-FFF2-40B4-BE49-F238E27FC236}">
                 <a16:creationId xmlns:a16="http://schemas.microsoft.com/office/drawing/2014/main" id="{D376E1DD-306A-0BF8-EDC8-9FD7E107BBE6}"/>
-              </a:ext>
-            </a:extLst>
-          </p:cNvPr>
-          <p:cNvPicPr>
-            <a:picLocks noChangeAspect="1"/>
-          </p:cNvPicPr>
-          <p:nvPr/>
-        </p:nvPicPr>
-        <p:blipFill>
-          <a:blip r:embed="rId4"/>
-          <a:stretch>
-            <a:fillRect/>
-          </a:stretch>
-        </p:blipFill>
-        <p:spPr>
-          <a:xfrm>
-            <a:off x="1619476" y="1302760"/>
-            <a:ext cx="10139744" cy="1995286"/>
-          </a:xfrm>
-          <a:prstGeom prst="rect">
-            <a:avLst/>
-          </a:prstGeom>
-        </p:spPr>
-      </p:pic>
-      <p:sp>
-        <p:nvSpPr>
-          <p:cNvPr id="15" name="テキスト ボックス 14">
-            <a:extLst>
-              <a:ext uri="{FF2B5EF4-FFF2-40B4-BE49-F238E27FC236}">
-                <a16:creationId xmlns:a16="http://schemas.microsoft.com/office/drawing/2014/main" id="{33C23395-D45F-7D45-1E01-978FDBA0B038}"/>
-              </a:ext>
-            </a:extLst>
-          </p:cNvPr>
-          <p:cNvSpPr txBox="1"/>
-          <p:nvPr/>
-        </p:nvSpPr>
-        <p:spPr>
-          <a:xfrm>
-            <a:off x="821410" y="739494"/>
-            <a:ext cx="10864313" cy="523220"/>
-          </a:xfrm>
-          <a:prstGeom prst="rect">
-            <a:avLst/>
-          </a:prstGeom>
-          <a:noFill/>
-        </p:spPr>
-        <p:txBody>
-          <a:bodyPr wrap="square" rtlCol="0">
-            <a:spAutoFit/>
-          </a:bodyPr>
-          <a:lstStyle/>
-          <a:p>
-            <a:r>
-              <a:rPr lang="ja-JP" altLang="en-US" sz="2400" dirty="0"/>
-              <a:t>　　　</a:t>
-            </a:r>
-            <a:r>
-              <a:rPr lang="ja-JP" altLang="en-US" sz="2800" b="1" dirty="0">
-                <a:latin typeface="Amasis MT Pro Black" panose="020B0604020202020204" pitchFamily="18" charset="0"/>
-              </a:rPr>
-              <a:t>ファイル呼び出し方法の工夫　オブジェ化</a:t>
-            </a:r>
-            <a:endParaRPr lang="en-US" altLang="ja-JP" sz="2800" b="1" dirty="0">
-              <a:latin typeface="Amasis MT Pro Black" panose="020B0604020202020204" pitchFamily="18" charset="0"/>
-            </a:endParaRPr>
-          </a:p>
-        </p:txBody>
-      </p:sp>
-      <p:pic>
-        <p:nvPicPr>
-          <p:cNvPr id="17" name="図 16">
-            <a:extLst>
-              <a:ext uri="{FF2B5EF4-FFF2-40B4-BE49-F238E27FC236}">
-                <a16:creationId xmlns:a16="http://schemas.microsoft.com/office/drawing/2014/main" id="{0369CFF6-2420-43CE-A088-68B6D98D2F14}"/>
               </a:ext>
             </a:extLst>
           </p:cNvPr>
@@ -10609,6 +11402,80 @@
         </p:blipFill>
         <p:spPr>
           <a:xfrm>
+            <a:off x="1619476" y="1302760"/>
+            <a:ext cx="10139744" cy="1995286"/>
+          </a:xfrm>
+          <a:prstGeom prst="rect">
+            <a:avLst/>
+          </a:prstGeom>
+        </p:spPr>
+      </p:pic>
+      <p:sp>
+        <p:nvSpPr>
+          <p:cNvPr id="15" name="テキスト ボックス 14">
+            <a:extLst>
+              <a:ext uri="{FF2B5EF4-FFF2-40B4-BE49-F238E27FC236}">
+                <a16:creationId xmlns:a16="http://schemas.microsoft.com/office/drawing/2014/main" id="{33C23395-D45F-7D45-1E01-978FDBA0B038}"/>
+              </a:ext>
+            </a:extLst>
+          </p:cNvPr>
+          <p:cNvSpPr txBox="1"/>
+          <p:nvPr/>
+        </p:nvSpPr>
+        <p:spPr>
+          <a:xfrm>
+            <a:off x="821410" y="739494"/>
+            <a:ext cx="10864313" cy="523220"/>
+          </a:xfrm>
+          <a:prstGeom prst="rect">
+            <a:avLst/>
+          </a:prstGeom>
+          <a:noFill/>
+        </p:spPr>
+        <p:txBody>
+          <a:bodyPr wrap="square" rtlCol="0">
+            <a:spAutoFit/>
+          </a:bodyPr>
+          <a:lstStyle/>
+          <a:p>
+            <a:r>
+              <a:rPr lang="ja-JP" altLang="en-US" sz="2400" dirty="0"/>
+              <a:t>　　　・</a:t>
+            </a:r>
+            <a:r>
+              <a:rPr lang="ja-JP" altLang="en-US" sz="2800" b="1" dirty="0">
+                <a:latin typeface="Amasis MT Pro Black" panose="020B0604020202020204" pitchFamily="18" charset="0"/>
+              </a:rPr>
+              <a:t>ファイル呼び出し方法の工夫　オブジェ化</a:t>
+            </a:r>
+            <a:endParaRPr lang="en-US" altLang="ja-JP" sz="2800" b="1" dirty="0">
+              <a:latin typeface="Amasis MT Pro Black" panose="020B0604020202020204" pitchFamily="18" charset="0"/>
+            </a:endParaRPr>
+          </a:p>
+        </p:txBody>
+      </p:sp>
+      <p:pic>
+        <p:nvPicPr>
+          <p:cNvPr id="17" name="図 16">
+            <a:extLst>
+              <a:ext uri="{FF2B5EF4-FFF2-40B4-BE49-F238E27FC236}">
+                <a16:creationId xmlns:a16="http://schemas.microsoft.com/office/drawing/2014/main" id="{0369CFF6-2420-43CE-A088-68B6D98D2F14}"/>
+              </a:ext>
+            </a:extLst>
+          </p:cNvPr>
+          <p:cNvPicPr>
+            <a:picLocks noChangeAspect="1"/>
+          </p:cNvPicPr>
+          <p:nvPr/>
+        </p:nvPicPr>
+        <p:blipFill>
+          <a:blip r:embed="rId6"/>
+          <a:stretch>
+            <a:fillRect/>
+          </a:stretch>
+        </p:blipFill>
+        <p:spPr>
+          <a:xfrm>
             <a:off x="1964516" y="4005366"/>
             <a:ext cx="5958586" cy="2424814"/>
           </a:xfrm>
@@ -10617,108 +11484,6 @@
           </a:prstGeom>
         </p:spPr>
       </p:pic>
-      <p:grpSp>
-        <p:nvGrpSpPr>
-          <p:cNvPr id="32" name="グループ化 31">
-            <a:extLst>
-              <a:ext uri="{FF2B5EF4-FFF2-40B4-BE49-F238E27FC236}">
-                <a16:creationId xmlns:a16="http://schemas.microsoft.com/office/drawing/2014/main" id="{91F8A11F-9F9F-E2AB-7103-328FDA8935CD}"/>
-              </a:ext>
-            </a:extLst>
-          </p:cNvPr>
-          <p:cNvGrpSpPr/>
-          <p:nvPr/>
-        </p:nvGrpSpPr>
-        <p:grpSpPr>
-          <a:xfrm>
-            <a:off x="7369764" y="4599447"/>
-            <a:ext cx="4535056" cy="1519059"/>
-            <a:chOff x="7369764" y="4599447"/>
-            <a:chExt cx="4535056" cy="1519059"/>
-          </a:xfrm>
-        </p:grpSpPr>
-        <p:pic>
-          <p:nvPicPr>
-            <p:cNvPr id="23" name="図 22">
-              <a:extLst>
-                <a:ext uri="{FF2B5EF4-FFF2-40B4-BE49-F238E27FC236}">
-                  <a16:creationId xmlns:a16="http://schemas.microsoft.com/office/drawing/2014/main" id="{98C41EED-F7B3-D8BE-19F6-9A04ADC5579E}"/>
-                </a:ext>
-              </a:extLst>
-            </p:cNvPr>
-            <p:cNvPicPr>
-              <a:picLocks noChangeAspect="1"/>
-            </p:cNvPicPr>
-            <p:nvPr/>
-          </p:nvPicPr>
-          <p:blipFill>
-            <a:blip r:embed="rId6"/>
-            <a:stretch>
-              <a:fillRect/>
-            </a:stretch>
-          </p:blipFill>
-          <p:spPr>
-            <a:xfrm>
-              <a:off x="7369764" y="4599447"/>
-              <a:ext cx="4535056" cy="1519059"/>
-            </a:xfrm>
-            <a:prstGeom prst="rect">
-              <a:avLst/>
-            </a:prstGeom>
-          </p:spPr>
-        </p:pic>
-        <mc:AlternateContent xmlns:mc="http://schemas.openxmlformats.org/markup-compatibility/2006" xmlns:p14="http://schemas.microsoft.com/office/powerpoint/2010/main">
-          <mc:Choice Requires="p14">
-            <p:contentPart p14:bwMode="auto" r:id="rId7">
-              <p14:nvContentPartPr>
-                <p14:cNvPr id="24" name="インク 23">
-                  <a:extLst>
-                    <a:ext uri="{FF2B5EF4-FFF2-40B4-BE49-F238E27FC236}">
-                      <a16:creationId xmlns:a16="http://schemas.microsoft.com/office/drawing/2014/main" id="{04A1ED91-039F-0B55-A2CA-AF93D48949C9}"/>
-                    </a:ext>
-                  </a:extLst>
-                </p14:cNvPr>
-                <p14:cNvContentPartPr/>
-                <p14:nvPr/>
-              </p14:nvContentPartPr>
-              <p14:xfrm>
-                <a:off x="8246758" y="5926655"/>
-                <a:ext cx="911520" cy="55800"/>
-              </p14:xfrm>
-            </p:contentPart>
-          </mc:Choice>
-          <mc:Fallback xmlns="">
-            <p:pic>
-              <p:nvPicPr>
-                <p:cNvPr id="24" name="インク 23">
-                  <a:extLst>
-                    <a:ext uri="{FF2B5EF4-FFF2-40B4-BE49-F238E27FC236}">
-                      <a16:creationId xmlns:a16="http://schemas.microsoft.com/office/drawing/2014/main" id="{04A1ED91-039F-0B55-A2CA-AF93D48949C9}"/>
-                    </a:ext>
-                  </a:extLst>
-                </p:cNvPr>
-                <p:cNvPicPr/>
-                <p:nvPr/>
-              </p:nvPicPr>
-              <p:blipFill>
-                <a:blip r:embed="rId8"/>
-                <a:stretch>
-                  <a:fillRect/>
-                </a:stretch>
-              </p:blipFill>
-              <p:spPr>
-                <a:xfrm>
-                  <a:off x="8192758" y="5819015"/>
-                  <a:ext cx="1019160" cy="271440"/>
-                </a:xfrm>
-                <a:prstGeom prst="rect">
-                  <a:avLst/>
-                </a:prstGeom>
-              </p:spPr>
-            </p:pic>
-          </mc:Fallback>
-        </mc:AlternateContent>
-      </p:grpSp>
       <p:sp>
         <p:nvSpPr>
           <p:cNvPr id="29" name="正方形/長方形 28">
@@ -10733,7 +11498,7 @@
         </p:nvSpPr>
         <p:spPr>
           <a:xfrm>
-            <a:off x="8050880" y="6175111"/>
+            <a:off x="8141748" y="5861705"/>
             <a:ext cx="3853940" cy="584775"/>
           </a:xfrm>
           <a:prstGeom prst="rect">
@@ -10809,8 +11574,8 @@
         </p:nvSpPr>
         <p:spPr>
           <a:xfrm>
-            <a:off x="4974717" y="2564115"/>
-            <a:ext cx="6750567" cy="584775"/>
+            <a:off x="5142711" y="3000561"/>
+            <a:ext cx="6340197" cy="584775"/>
           </a:xfrm>
           <a:prstGeom prst="rect">
             <a:avLst/>
@@ -10844,11 +11609,112 @@
                   </a:outerShdw>
                 </a:effectLst>
               </a:rPr>
-              <a:t>最初に書くことで、書き換えが楽！</a:t>
+              <a:t>最初に書く事で、書き換えが楽！</a:t>
             </a:r>
           </a:p>
         </p:txBody>
       </p:sp>
+      <p:grpSp>
+        <p:nvGrpSpPr>
+          <p:cNvPr id="16" name="グループ化 15">
+            <a:extLst>
+              <a:ext uri="{FF2B5EF4-FFF2-40B4-BE49-F238E27FC236}">
+                <a16:creationId xmlns:a16="http://schemas.microsoft.com/office/drawing/2014/main" id="{99550AFF-F533-E379-E898-9D3A08B06394}"/>
+              </a:ext>
+            </a:extLst>
+          </p:cNvPr>
+          <p:cNvGrpSpPr/>
+          <p:nvPr/>
+        </p:nvGrpSpPr>
+        <p:grpSpPr>
+          <a:xfrm>
+            <a:off x="8229202" y="4112073"/>
+            <a:ext cx="3766486" cy="1648478"/>
+            <a:chOff x="8382551" y="4260042"/>
+            <a:chExt cx="2912457" cy="1471610"/>
+          </a:xfrm>
+        </p:grpSpPr>
+        <p:pic>
+          <p:nvPicPr>
+            <p:cNvPr id="8" name="図 7">
+              <a:extLst>
+                <a:ext uri="{FF2B5EF4-FFF2-40B4-BE49-F238E27FC236}">
+                  <a16:creationId xmlns:a16="http://schemas.microsoft.com/office/drawing/2014/main" id="{9B73FB4D-CD99-2FF7-7483-64BFAB0FA910}"/>
+                </a:ext>
+              </a:extLst>
+            </p:cNvPr>
+            <p:cNvPicPr>
+              <a:picLocks noChangeAspect="1"/>
+            </p:cNvPicPr>
+            <p:nvPr/>
+          </p:nvPicPr>
+          <p:blipFill rotWithShape="1">
+            <a:blip r:embed="rId7"/>
+            <a:srcRect b="27460"/>
+            <a:stretch/>
+          </p:blipFill>
+          <p:spPr>
+            <a:xfrm>
+              <a:off x="8382551" y="4260042"/>
+              <a:ext cx="2912457" cy="1471610"/>
+            </a:xfrm>
+            <a:prstGeom prst="rect">
+              <a:avLst/>
+            </a:prstGeom>
+          </p:spPr>
+        </p:pic>
+        <mc:AlternateContent xmlns:mc="http://schemas.openxmlformats.org/markup-compatibility/2006">
+          <mc:Choice xmlns:p14="http://schemas.microsoft.com/office/powerpoint/2010/main" Requires="p14">
+            <p:contentPart p14:bwMode="auto" r:id="rId8">
+              <p14:nvContentPartPr>
+                <p14:cNvPr id="10" name="インク 9">
+                  <a:extLst>
+                    <a:ext uri="{FF2B5EF4-FFF2-40B4-BE49-F238E27FC236}">
+                      <a16:creationId xmlns:a16="http://schemas.microsoft.com/office/drawing/2014/main" id="{32061DF2-E8B7-C866-EA86-F6419273CF01}"/>
+                    </a:ext>
+                  </a:extLst>
+                </p14:cNvPr>
+                <p14:cNvContentPartPr/>
+                <p14:nvPr/>
+              </p14:nvContentPartPr>
+              <p14:xfrm>
+                <a:off x="8701999" y="5176251"/>
+                <a:ext cx="558360" cy="38520"/>
+              </p14:xfrm>
+            </p:contentPart>
+          </mc:Choice>
+          <mc:Fallback>
+            <p:pic>
+              <p:nvPicPr>
+                <p:cNvPr id="10" name="インク 9">
+                  <a:extLst>
+                    <a:ext uri="{FF2B5EF4-FFF2-40B4-BE49-F238E27FC236}">
+                      <a16:creationId xmlns:a16="http://schemas.microsoft.com/office/drawing/2014/main" id="{32061DF2-E8B7-C866-EA86-F6419273CF01}"/>
+                    </a:ext>
+                  </a:extLst>
+                </p:cNvPr>
+                <p:cNvPicPr/>
+                <p:nvPr/>
+              </p:nvPicPr>
+              <p:blipFill>
+                <a:blip r:embed="rId9"/>
+                <a:stretch>
+                  <a:fillRect/>
+                </a:stretch>
+              </p:blipFill>
+              <p:spPr>
+                <a:xfrm>
+                  <a:off x="8660505" y="5079951"/>
+                  <a:ext cx="641627" cy="230799"/>
+                </a:xfrm>
+                <a:prstGeom prst="rect">
+                  <a:avLst/>
+                </a:prstGeom>
+              </p:spPr>
+            </p:pic>
+          </mc:Fallback>
+        </mc:AlternateContent>
+      </p:grpSp>
     </p:spTree>
     <p:extLst>
       <p:ext uri="{BB962C8B-B14F-4D97-AF65-F5344CB8AC3E}">
@@ -10937,7 +11803,7 @@
               <p:nvPr/>
             </p:nvPicPr>
             <p:blipFill>
-              <a:blip r:embed="rId2" cstate="print">
+              <a:blip r:embed="rId3" cstate="print">
                 <a:extLst>
                   <a:ext uri="{28A0092B-C50C-407E-A947-70E740481C1C}">
                     <a14:useLocalDpi xmlns:a14="http://schemas.microsoft.com/office/drawing/2010/main" val="0"/>
@@ -11065,7 +11931,7 @@
               <p:nvPr/>
             </p:nvPicPr>
             <p:blipFill>
-              <a:blip r:embed="rId3"/>
+              <a:blip r:embed="rId4"/>
               <a:stretch>
                 <a:fillRect/>
               </a:stretch>
@@ -11156,7 +12022,7 @@
         </p:nvSpPr>
         <p:spPr>
           <a:xfrm>
-            <a:off x="821410" y="739494"/>
+            <a:off x="739453" y="797184"/>
             <a:ext cx="5589015" cy="523220"/>
           </a:xfrm>
           <a:prstGeom prst="rect">
@@ -11270,7 +12136,7 @@
           <p:nvPr/>
         </p:nvPicPr>
         <p:blipFill>
-          <a:blip r:embed="rId4"/>
+          <a:blip r:embed="rId5"/>
           <a:stretch>
             <a:fillRect/>
           </a:stretch>
@@ -11416,7 +12282,7 @@
           <p:nvPr/>
         </p:nvPicPr>
         <p:blipFill>
-          <a:blip r:embed="rId5"/>
+          <a:blip r:embed="rId6"/>
           <a:stretch>
             <a:fillRect/>
           </a:stretch>
@@ -11491,7 +12357,7 @@
           <p:nvPr/>
         </p:nvPicPr>
         <p:blipFill>
-          <a:blip r:embed="rId6"/>
+          <a:blip r:embed="rId7"/>
           <a:stretch>
             <a:fillRect/>
           </a:stretch>
@@ -11521,7 +12387,7 @@
           <p:nvPr/>
         </p:nvPicPr>
         <p:blipFill>
-          <a:blip r:embed="rId7"/>
+          <a:blip r:embed="rId8"/>
           <a:stretch>
             <a:fillRect/>
           </a:stretch>
@@ -11551,7 +12417,7 @@
           <p:nvPr/>
         </p:nvPicPr>
         <p:blipFill>
-          <a:blip r:embed="rId8"/>
+          <a:blip r:embed="rId9"/>
           <a:stretch>
             <a:fillRect/>
           </a:stretch>
@@ -12021,7 +12887,7 @@
               <p:nvPr/>
             </p:nvPicPr>
             <p:blipFill>
-              <a:blip r:embed="rId2" cstate="print">
+              <a:blip r:embed="rId3" cstate="print">
                 <a:extLst>
                   <a:ext uri="{28A0092B-C50C-407E-A947-70E740481C1C}">
                     <a14:useLocalDpi xmlns:a14="http://schemas.microsoft.com/office/drawing/2010/main" val="0"/>
@@ -12149,7 +13015,7 @@
               <p:nvPr/>
             </p:nvPicPr>
             <p:blipFill>
-              <a:blip r:embed="rId3"/>
+              <a:blip r:embed="rId4"/>
               <a:stretch>
                 <a:fillRect/>
               </a:stretch>
@@ -12241,7 +13107,7 @@
         <p:spPr>
           <a:xfrm>
             <a:off x="1097281" y="785617"/>
-            <a:ext cx="10906158" cy="6370975"/>
+            <a:ext cx="10906158" cy="6063198"/>
           </a:xfrm>
           <a:prstGeom prst="rect">
             <a:avLst/>
@@ -12357,10 +13223,10 @@
           <a:p>
             <a:r>
               <a:rPr lang="ja-JP" altLang="en-US" sz="2400" dirty="0"/>
-              <a:t>　今回、</a:t>
-            </a:r>
-            <a:r>
-              <a:rPr lang="ja-JP" altLang="en-US" sz="2400" b="1" dirty="0">
+              <a:t>　基礎講座に参加して、</a:t>
+            </a:r>
+            <a:r>
+              <a:rPr lang="ja-JP" altLang="en-US" sz="2400" b="1" u="sng" dirty="0">
                 <a:solidFill>
                   <a:srgbClr val="FF0000"/>
                 </a:solidFill>
@@ -12392,7 +13258,7 @@
             </a:r>
             <a:r>
               <a:rPr lang="ja-JP" altLang="en-US" sz="2400" dirty="0"/>
-              <a:t>、コードのコピーにならない、内容を理解した状態で、使える</a:t>
+              <a:t>、コードのコピーにならない、内容を十分理解した状態で、使える</a:t>
             </a:r>
             <a:r>
               <a:rPr lang="ja-JP" altLang="en-US" sz="2400" dirty="0">
@@ -12427,21 +13293,15 @@
             <a:endParaRPr lang="en-US" altLang="ja-JP" sz="2400" dirty="0"/>
           </a:p>
           <a:p>
-            <a:endParaRPr lang="en-US" altLang="ja-JP" sz="2400" dirty="0"/>
-          </a:p>
-          <a:p>
             <a:r>
               <a:rPr lang="ja-JP" altLang="en-US" sz="2400" dirty="0"/>
               <a:t>　　　　　　　　　　</a:t>
             </a:r>
             <a:r>
               <a:rPr lang="ja-JP" altLang="en-US" sz="2400" b="1" dirty="0"/>
-              <a:t>ブートキャンプに行きたい思いが強くなりました。</a:t>
+              <a:t>ブートキャンプに行きたい思いが更に強くなりました。</a:t>
             </a:r>
             <a:endParaRPr lang="en-US" altLang="ja-JP" sz="2400" b="1" dirty="0"/>
-          </a:p>
-          <a:p>
-            <a:endParaRPr lang="en-US" altLang="ja-JP" sz="2400" dirty="0"/>
           </a:p>
         </p:txBody>
       </p:sp>
@@ -13694,27 +14554,6 @@
 </file>
 
 <file path=customXml/item1.xml><?xml version="1.0" encoding="utf-8"?>
-<?mso-contentType ?>
-<FormTemplates xmlns="http://schemas.microsoft.com/sharepoint/v3/contenttype/forms">
-  <Display>DocumentLibraryForm</Display>
-  <Edit>DocumentLibraryForm</Edit>
-  <New>DocumentLibraryForm</New>
-</FormTemplates>
-</file>
-
-<file path=customXml/item2.xml><?xml version="1.0" encoding="utf-8"?>
-<p:properties xmlns:p="http://schemas.microsoft.com/office/2006/metadata/properties" xmlns:xsi="http://www.w3.org/2001/XMLSchema-instance" xmlns:pc="http://schemas.microsoft.com/office/infopath/2007/PartnerControls">
-  <documentManagement>
-    <_x30b3__x30e1__x30f3__x30c8_ xmlns="be4544ac-009f-495c-abf6-5ffafb9f8fc4" xsi:nil="true"/>
-    <URL xmlns="be4544ac-009f-495c-abf6-5ffafb9f8fc4">
-      <Url xsi:nil="true"/>
-      <Description xsi:nil="true"/>
-    </URL>
-  </documentManagement>
-</p:properties>
-</file>
-
-<file path=customXml/item3.xml><?xml version="1.0" encoding="utf-8"?>
 <ct:contentTypeSchema xmlns:ct="http://schemas.microsoft.com/office/2006/metadata/contentType" xmlns:ma="http://schemas.microsoft.com/office/2006/metadata/properties/metaAttributes" ct:_="" ma:_="" ma:contentTypeName="ドキュメント" ma:contentTypeID="0x0101009C126C1395C772498C6F673027B90A57" ma:contentTypeVersion="17" ma:contentTypeDescription="新しいドキュメントを作成します。" ma:contentTypeScope="" ma:versionID="e5407cd6ed33a84fdf79cade1dfff71e">
   <xsd:schema xmlns:xsd="http://www.w3.org/2001/XMLSchema" xmlns:xs="http://www.w3.org/2001/XMLSchema" xmlns:p="http://schemas.microsoft.com/office/2006/metadata/properties" xmlns:ns2="be4544ac-009f-495c-abf6-5ffafb9f8fc4" xmlns:ns3="2225ab29-e826-449b-b5a5-b228c8a78d3e" targetNamespace="http://schemas.microsoft.com/office/2006/metadata/properties" ma:root="true" ma:fieldsID="30607a7cbff5c091d13d3364613f1438" ns2:_="" ns3:_="">
     <xsd:import namespace="be4544ac-009f-495c-abf6-5ffafb9f8fc4"/>
@@ -13958,32 +14797,28 @@
 </ct:contentTypeSchema>
 </file>
 
-<file path=customXml/itemProps1.xml><?xml version="1.0" encoding="utf-8"?>
-<ds:datastoreItem xmlns:ds="http://schemas.openxmlformats.org/officeDocument/2006/customXml" ds:itemID="{858F6AD8-1F75-4872-A869-E1A3ED8CA2D2}">
-  <ds:schemaRefs>
-    <ds:schemaRef ds:uri="http://schemas.microsoft.com/sharepoint/v3/contenttype/forms"/>
-  </ds:schemaRefs>
-</ds:datastoreItem>
+<file path=customXml/item2.xml><?xml version="1.0" encoding="utf-8"?>
+<p:properties xmlns:p="http://schemas.microsoft.com/office/2006/metadata/properties" xmlns:xsi="http://www.w3.org/2001/XMLSchema-instance" xmlns:pc="http://schemas.microsoft.com/office/infopath/2007/PartnerControls">
+  <documentManagement>
+    <_x30b3__x30e1__x30f3__x30c8_ xmlns="be4544ac-009f-495c-abf6-5ffafb9f8fc4" xsi:nil="true"/>
+    <URL xmlns="be4544ac-009f-495c-abf6-5ffafb9f8fc4">
+      <Url xsi:nil="true"/>
+      <Description xsi:nil="true"/>
+    </URL>
+  </documentManagement>
+</p:properties>
 </file>
 
-<file path=customXml/itemProps2.xml><?xml version="1.0" encoding="utf-8"?>
-<ds:datastoreItem xmlns:ds="http://schemas.openxmlformats.org/officeDocument/2006/customXml" ds:itemID="{2A39986C-A5C7-4A8D-BA91-DBEF1DAB0334}">
-  <ds:schemaRefs>
-    <ds:schemaRef ds:uri="http://schemas.microsoft.com/office/2006/documentManagement/types"/>
-    <ds:schemaRef ds:uri="2225ab29-e826-449b-b5a5-b228c8a78d3e"/>
-    <ds:schemaRef ds:uri="be4544ac-009f-495c-abf6-5ffafb9f8fc4"/>
-    <ds:schemaRef ds:uri="http://purl.org/dc/terms/"/>
-    <ds:schemaRef ds:uri="http://purl.org/dc/elements/1.1/"/>
-    <ds:schemaRef ds:uri="http://purl.org/dc/dcmitype/"/>
-    <ds:schemaRef ds:uri="http://schemas.microsoft.com/office/infopath/2007/PartnerControls"/>
-    <ds:schemaRef ds:uri="http://schemas.openxmlformats.org/package/2006/metadata/core-properties"/>
-    <ds:schemaRef ds:uri="http://schemas.microsoft.com/office/2006/metadata/properties"/>
-    <ds:schemaRef ds:uri="http://www.w3.org/XML/1998/namespace"/>
-  </ds:schemaRefs>
-</ds:datastoreItem>
+<file path=customXml/item3.xml><?xml version="1.0" encoding="utf-8"?>
+<?mso-contentType ?>
+<FormTemplates xmlns="http://schemas.microsoft.com/sharepoint/v3/contenttype/forms">
+  <Display>DocumentLibraryForm</Display>
+  <Edit>DocumentLibraryForm</Edit>
+  <New>DocumentLibraryForm</New>
+</FormTemplates>
 </file>
 
-<file path=customXml/itemProps3.xml><?xml version="1.0" encoding="utf-8"?>
+<file path=customXml/itemProps1.xml><?xml version="1.0" encoding="utf-8"?>
 <ds:datastoreItem xmlns:ds="http://schemas.openxmlformats.org/officeDocument/2006/customXml" ds:itemID="{40DBC5CE-9211-4E02-9385-01092F552523}">
   <ds:schemaRefs>
     <ds:schemaRef ds:uri="http://schemas.microsoft.com/office/2006/metadata/contentType"/>
@@ -14000,4 +14835,29 @@
     <ds:schemaRef ds:uri="http://schemas.microsoft.com/internal/obd"/>
   </ds:schemaRefs>
 </ds:datastoreItem>
+</file>
+
+<file path=customXml/itemProps2.xml><?xml version="1.0" encoding="utf-8"?>
+<ds:datastoreItem xmlns:ds="http://schemas.openxmlformats.org/officeDocument/2006/customXml" ds:itemID="{2A39986C-A5C7-4A8D-BA91-DBEF1DAB0334}">
+  <ds:schemaRefs>
+    <ds:schemaRef ds:uri="http://schemas.microsoft.com/office/2006/documentManagement/types"/>
+    <ds:schemaRef ds:uri="http://schemas.microsoft.com/office/infopath/2007/PartnerControls"/>
+    <ds:schemaRef ds:uri="http://purl.org/dc/elements/1.1/"/>
+    <ds:schemaRef ds:uri="http://schemas.openxmlformats.org/package/2006/metadata/core-properties"/>
+    <ds:schemaRef ds:uri="http://purl.org/dc/dcmitype/"/>
+    <ds:schemaRef ds:uri="http://www.w3.org/XML/1998/namespace"/>
+    <ds:schemaRef ds:uri="2225ab29-e826-449b-b5a5-b228c8a78d3e"/>
+    <ds:schemaRef ds:uri="be4544ac-009f-495c-abf6-5ffafb9f8fc4"/>
+    <ds:schemaRef ds:uri="http://schemas.microsoft.com/office/2006/metadata/properties"/>
+    <ds:schemaRef ds:uri="http://purl.org/dc/terms/"/>
+  </ds:schemaRefs>
+</ds:datastoreItem>
+</file>
+
+<file path=customXml/itemProps3.xml><?xml version="1.0" encoding="utf-8"?>
+<ds:datastoreItem xmlns:ds="http://schemas.openxmlformats.org/officeDocument/2006/customXml" ds:itemID="{858F6AD8-1F75-4872-A869-E1A3ED8CA2D2}">
+  <ds:schemaRefs>
+    <ds:schemaRef ds:uri="http://schemas.microsoft.com/sharepoint/v3/contenttype/forms"/>
+  </ds:schemaRefs>
+</ds:datastoreItem>
 </file>
--- a/DIG-Foundations/最終報告資料.pptx
+++ b/DIG-Foundations/最終報告資料.pptx
@@ -327,7 +327,7 @@
           <a:p>
             <a:fld id="{4E26078C-C213-443F-9791-5F3CEF7C3175}" type="datetimeFigureOut">
               <a:rPr kumimoji="1" lang="ja-JP" altLang="en-US" smtClean="0"/>
-              <a:t>2022/12/11</a:t>
+              <a:t>2022/12/12</a:t>
             </a:fld>
             <a:endParaRPr kumimoji="1" lang="ja-JP" altLang="en-US"/>
           </a:p>
@@ -760,7 +760,21 @@
             </a:r>
             <a:r>
               <a:rPr kumimoji="1" lang="ja-JP" altLang="en-US" dirty="0"/>
-              <a:t>スタンプ作って売ってます。　</a:t>
+              <a:t>スタンプ作って売ってます</a:t>
+            </a:r>
+            <a:r>
+              <a:rPr kumimoji="1" lang="ja-JP" altLang="en-US"/>
+              <a:t>。　</a:t>
+            </a:r>
+            <a:endParaRPr kumimoji="1" lang="en-US" altLang="ja-JP"/>
+          </a:p>
+          <a:p>
+            <a:endParaRPr kumimoji="1" lang="en-US" altLang="ja-JP"/>
+          </a:p>
+          <a:p>
+            <a:r>
+              <a:rPr kumimoji="1" lang="ja-JP" altLang="en-US"/>
+              <a:t>　資料に戻ります。</a:t>
             </a:r>
             <a:endParaRPr kumimoji="1" lang="en-US" altLang="ja-JP" dirty="0"/>
           </a:p>
@@ -858,7 +872,15 @@
           <a:p>
             <a:r>
               <a:rPr kumimoji="1" lang="ja-JP" altLang="en-US" dirty="0"/>
-              <a:t>教えてもらった事をしっかり使って、見ようと考えました。</a:t>
+              <a:t>教えてもらった事を</a:t>
+            </a:r>
+            <a:r>
+              <a:rPr kumimoji="1" lang="ja-JP" altLang="en-US"/>
+              <a:t>しっかり使って見よう</a:t>
+            </a:r>
+            <a:r>
+              <a:rPr kumimoji="1" lang="ja-JP" altLang="en-US" dirty="0"/>
+              <a:t>と考えました。</a:t>
             </a:r>
             <a:endParaRPr kumimoji="1" lang="en-US" altLang="ja-JP" dirty="0"/>
           </a:p>
@@ -868,15 +890,23 @@
           <a:p>
             <a:r>
               <a:rPr kumimoji="1" lang="ja-JP" altLang="en-US" dirty="0"/>
-              <a:t>　今回の学びである。　</a:t>
-            </a:r>
-            <a:r>
-              <a:rPr kumimoji="1" lang="en-US" altLang="ja-JP" dirty="0" err="1"/>
+              <a:t>　今回の学びである</a:t>
+            </a:r>
+            <a:r>
+              <a:rPr kumimoji="1" lang="ja-JP" altLang="en-US"/>
+              <a:t>。　</a:t>
+            </a:r>
+            <a:r>
+              <a:rPr kumimoji="1" lang="en-US" altLang="ja-JP"/>
               <a:t>JSDoc</a:t>
             </a:r>
             <a:r>
+              <a:rPr kumimoji="1" lang="ja-JP" altLang="en-US"/>
+              <a:t>、疑似コード、スコープ概念、関数シグネチャを考えて</a:t>
+            </a:r>
+            <a:r>
               <a:rPr kumimoji="1" lang="ja-JP" altLang="en-US" dirty="0"/>
-              <a:t>、疑似コード、関数シグネチャを先に考えてからプログラムする。</a:t>
+              <a:t>からプログラムする。</a:t>
             </a:r>
             <a:endParaRPr kumimoji="1" lang="en-US" altLang="ja-JP" dirty="0"/>
           </a:p>
@@ -1002,7 +1032,15 @@
           <a:p>
             <a:r>
               <a:rPr kumimoji="1" lang="ja-JP" altLang="en-US" dirty="0"/>
-              <a:t>次に、くふうした点と気づきになりますが、今回画像を扱うため、処理を提出時に変更するに事が解っていましたので、</a:t>
+              <a:t>次に、くふうした点と気づきになります</a:t>
+            </a:r>
+            <a:r>
+              <a:rPr kumimoji="1" lang="ja-JP" altLang="en-US"/>
+              <a:t>が、提出時にファイル場所を変更</a:t>
+            </a:r>
+            <a:r>
+              <a:rPr kumimoji="1" lang="ja-JP" altLang="en-US" dirty="0"/>
+              <a:t>するに事が解っていましたので、</a:t>
             </a:r>
             <a:endParaRPr kumimoji="1" lang="en-US" altLang="ja-JP" dirty="0"/>
           </a:p>
@@ -1037,7 +1075,15 @@
             </a:r>
             <a:r>
               <a:rPr kumimoji="1" lang="ja-JP" altLang="en-US" dirty="0"/>
-              <a:t>をしっかり書くことで、途中で、関数を使う際、引数が何かをポップアップできる</a:t>
+              <a:t>をしっかり書くことで、</a:t>
+            </a:r>
+            <a:r>
+              <a:rPr kumimoji="1" lang="ja-JP" altLang="en-US"/>
+              <a:t>途中で関数を使う時、</a:t>
+            </a:r>
+            <a:r>
+              <a:rPr kumimoji="1" lang="ja-JP" altLang="en-US" dirty="0"/>
+              <a:t>引数が何かをポップアップできる</a:t>
             </a:r>
             <a:endParaRPr kumimoji="1" lang="en-US" altLang="ja-JP" dirty="0"/>
           </a:p>
@@ -1142,30 +1188,15 @@
           <a:p>
             <a:r>
               <a:rPr kumimoji="1" lang="ja-JP" altLang="en-US" dirty="0"/>
-              <a:t>それなら、作ってみようとチャレンジしました。</a:t>
-            </a:r>
-            <a:endParaRPr kumimoji="1" lang="en-US" altLang="ja-JP" dirty="0"/>
-          </a:p>
-          <a:p>
+              <a:t>それなら、作ってみよう</a:t>
+            </a:r>
+            <a:r>
+              <a:rPr kumimoji="1" lang="ja-JP" altLang="en-US"/>
+              <a:t>とチャレンジして、実装</a:t>
+            </a:r>
             <a:r>
               <a:rPr kumimoji="1" lang="ja-JP" altLang="en-US" dirty="0"/>
-              <a:t>　</a:t>
-            </a:r>
-            <a:r>
-              <a:rPr kumimoji="1" lang="en-US" altLang="ja-JP" dirty="0"/>
-              <a:t>While</a:t>
-            </a:r>
-            <a:r>
-              <a:rPr kumimoji="1" lang="ja-JP" altLang="en-US" dirty="0"/>
-              <a:t>関数と</a:t>
-            </a:r>
-            <a:r>
-              <a:rPr kumimoji="1" lang="en-US" altLang="ja-JP" dirty="0"/>
-              <a:t>Date</a:t>
-            </a:r>
-            <a:r>
-              <a:rPr kumimoji="1" lang="ja-JP" altLang="en-US" dirty="0"/>
-              <a:t>関数を使い実装することができました。</a:t>
+              <a:t>することができました。</a:t>
             </a:r>
             <a:endParaRPr kumimoji="1" lang="en-US" altLang="ja-JP" dirty="0"/>
           </a:p>
@@ -1299,8 +1330,12 @@
           </a:p>
           <a:p>
             <a:r>
+              <a:rPr kumimoji="1" lang="ja-JP" altLang="en-US"/>
+              <a:t>　今までは、独学でプログラム</a:t>
+            </a:r>
+            <a:r>
               <a:rPr kumimoji="1" lang="ja-JP" altLang="en-US" dirty="0"/>
-              <a:t>　私は、独学で今までプログラムを作ってきました。</a:t>
+              <a:t>を作ってきました。</a:t>
             </a:r>
             <a:endParaRPr kumimoji="1" lang="en-US" altLang="ja-JP" dirty="0"/>
           </a:p>
@@ -1316,8 +1351,20 @@
           </a:p>
           <a:p>
             <a:r>
+              <a:rPr kumimoji="1" lang="ja-JP" altLang="en-US"/>
+              <a:t>　　改めて考えてみると、「ほか</a:t>
+            </a:r>
+            <a:r>
               <a:rPr kumimoji="1" lang="ja-JP" altLang="en-US" dirty="0"/>
-              <a:t>　　そのため、ほかの人がコードを見ても分からないプログラムを書き続けていたな。　と反省しています。</a:t>
+              <a:t>の人がコードを見ても分からないプログラムを書き続けていたな</a:t>
+            </a:r>
+            <a:r>
+              <a:rPr kumimoji="1" lang="ja-JP" altLang="en-US"/>
+              <a:t>。　」と</a:t>
+            </a:r>
+            <a:r>
+              <a:rPr kumimoji="1" lang="ja-JP" altLang="en-US" dirty="0"/>
+              <a:t>反省しています。</a:t>
             </a:r>
             <a:endParaRPr kumimoji="1" lang="en-US" altLang="ja-JP" dirty="0"/>
           </a:p>
@@ -1327,14 +1374,26 @@
           <a:p>
             <a:r>
               <a:rPr kumimoji="1" lang="ja-JP" altLang="en-US" dirty="0"/>
-              <a:t>　今回、基礎講座に参加して、基本を少し学べたと思います。</a:t>
+              <a:t>　今回、基礎講座に参加して、基本</a:t>
+            </a:r>
+            <a:r>
+              <a:rPr kumimoji="1" lang="ja-JP" altLang="en-US"/>
+              <a:t>を少しだけ学べた</a:t>
+            </a:r>
+            <a:r>
+              <a:rPr kumimoji="1" lang="ja-JP" altLang="en-US" dirty="0"/>
+              <a:t>と思います。</a:t>
             </a:r>
             <a:endParaRPr kumimoji="1" lang="en-US" altLang="ja-JP" dirty="0"/>
           </a:p>
           <a:p>
             <a:r>
+              <a:rPr kumimoji="1" lang="ja-JP" altLang="en-US"/>
+              <a:t>　ペア</a:t>
+            </a:r>
+            <a:r>
               <a:rPr kumimoji="1" lang="ja-JP" altLang="en-US" dirty="0"/>
-              <a:t>　また、ペアで知識を補うことで、いろいろな考え方を気づかされる事を学びました。</a:t>
+              <a:t>で知識を補うことで、いろいろな考え方を気づかされる事を学びました。</a:t>
             </a:r>
             <a:endParaRPr kumimoji="1" lang="en-US" altLang="ja-JP" dirty="0"/>
           </a:p>
@@ -1384,8 +1443,12 @@
               <a:defRPr/>
             </a:pPr>
             <a:r>
+              <a:rPr kumimoji="1" lang="ja-JP" altLang="en-US"/>
+              <a:t>今後もアプリ作成を続けて</a:t>
+            </a:r>
+            <a:r>
               <a:rPr kumimoji="1" lang="ja-JP" altLang="en-US" dirty="0"/>
-              <a:t>今後もプログラミング続けていきたいと思います。</a:t>
+              <a:t>いきたいと思います。</a:t>
             </a:r>
             <a:endParaRPr kumimoji="1" lang="en-US" altLang="ja-JP" dirty="0"/>
           </a:p>
@@ -1743,7 +1806,7 @@
           <a:p>
             <a:fld id="{CA101A3C-76DE-457D-A02D-7C04395472EB}" type="datetimeFigureOut">
               <a:rPr kumimoji="1" lang="ja-JP" altLang="en-US" smtClean="0"/>
-              <a:t>2022/12/11</a:t>
+              <a:t>2022/12/12</a:t>
             </a:fld>
             <a:endParaRPr kumimoji="1" lang="ja-JP" altLang="en-US"/>
           </a:p>
@@ -2081,7 +2144,7 @@
           <a:p>
             <a:fld id="{CA101A3C-76DE-457D-A02D-7C04395472EB}" type="datetimeFigureOut">
               <a:rPr kumimoji="1" lang="ja-JP" altLang="en-US" smtClean="0"/>
-              <a:t>2022/12/11</a:t>
+              <a:t>2022/12/12</a:t>
             </a:fld>
             <a:endParaRPr kumimoji="1" lang="ja-JP" altLang="en-US"/>
           </a:p>
@@ -2482,7 +2545,7 @@
           <a:p>
             <a:fld id="{CA101A3C-76DE-457D-A02D-7C04395472EB}" type="datetimeFigureOut">
               <a:rPr kumimoji="1" lang="ja-JP" altLang="en-US" smtClean="0"/>
-              <a:t>2022/12/11</a:t>
+              <a:t>2022/12/12</a:t>
             </a:fld>
             <a:endParaRPr kumimoji="1" lang="ja-JP" altLang="en-US"/>
           </a:p>
@@ -2818,7 +2881,7 @@
           <a:p>
             <a:fld id="{CA101A3C-76DE-457D-A02D-7C04395472EB}" type="datetimeFigureOut">
               <a:rPr kumimoji="1" lang="ja-JP" altLang="en-US" smtClean="0"/>
-              <a:t>2022/12/11</a:t>
+              <a:t>2022/12/12</a:t>
             </a:fld>
             <a:endParaRPr kumimoji="1" lang="ja-JP" altLang="en-US"/>
           </a:p>
@@ -3138,7 +3201,7 @@
           <a:p>
             <a:fld id="{CA101A3C-76DE-457D-A02D-7C04395472EB}" type="datetimeFigureOut">
               <a:rPr kumimoji="1" lang="ja-JP" altLang="en-US" smtClean="0"/>
-              <a:t>2022/12/11</a:t>
+              <a:t>2022/12/12</a:t>
             </a:fld>
             <a:endParaRPr kumimoji="1" lang="ja-JP" altLang="en-US"/>
           </a:p>
@@ -3534,7 +3597,7 @@
           <a:p>
             <a:fld id="{CA101A3C-76DE-457D-A02D-7C04395472EB}" type="datetimeFigureOut">
               <a:rPr kumimoji="1" lang="ja-JP" altLang="en-US" smtClean="0"/>
-              <a:t>2022/12/11</a:t>
+              <a:t>2022/12/12</a:t>
             </a:fld>
             <a:endParaRPr kumimoji="1" lang="ja-JP" altLang="en-US"/>
           </a:p>
@@ -3823,7 +3886,7 @@
           <a:p>
             <a:fld id="{CA101A3C-76DE-457D-A02D-7C04395472EB}" type="datetimeFigureOut">
               <a:rPr kumimoji="1" lang="ja-JP" altLang="en-US" smtClean="0"/>
-              <a:t>2022/12/11</a:t>
+              <a:t>2022/12/12</a:t>
             </a:fld>
             <a:endParaRPr kumimoji="1" lang="ja-JP" altLang="en-US"/>
           </a:p>
@@ -4117,7 +4180,7 @@
           <a:p>
             <a:fld id="{CA101A3C-76DE-457D-A02D-7C04395472EB}" type="datetimeFigureOut">
               <a:rPr kumimoji="1" lang="ja-JP" altLang="en-US" smtClean="0"/>
-              <a:t>2022/12/11</a:t>
+              <a:t>2022/12/12</a:t>
             </a:fld>
             <a:endParaRPr kumimoji="1" lang="ja-JP" altLang="en-US"/>
           </a:p>
@@ -4480,7 +4543,7 @@
           <a:p>
             <a:fld id="{CA101A3C-76DE-457D-A02D-7C04395472EB}" type="datetimeFigureOut">
               <a:rPr kumimoji="1" lang="ja-JP" altLang="en-US" smtClean="0"/>
-              <a:t>2022/12/11</a:t>
+              <a:t>2022/12/12</a:t>
             </a:fld>
             <a:endParaRPr kumimoji="1" lang="ja-JP" altLang="en-US"/>
           </a:p>
@@ -4845,7 +4908,7 @@
           <a:p>
             <a:fld id="{CA101A3C-76DE-457D-A02D-7C04395472EB}" type="datetimeFigureOut">
               <a:rPr kumimoji="1" lang="ja-JP" altLang="en-US" smtClean="0"/>
-              <a:t>2022/12/11</a:t>
+              <a:t>2022/12/12</a:t>
             </a:fld>
             <a:endParaRPr kumimoji="1" lang="ja-JP" altLang="en-US"/>
           </a:p>
@@ -5232,7 +5295,7 @@
           <a:p>
             <a:fld id="{CA101A3C-76DE-457D-A02D-7C04395472EB}" type="datetimeFigureOut">
               <a:rPr kumimoji="1" lang="ja-JP" altLang="en-US" smtClean="0"/>
-              <a:t>2022/12/11</a:t>
+              <a:t>2022/12/12</a:t>
             </a:fld>
             <a:endParaRPr kumimoji="1" lang="ja-JP" altLang="en-US"/>
           </a:p>
@@ -5753,7 +5816,7 @@
           <a:p>
             <a:fld id="{CA101A3C-76DE-457D-A02D-7C04395472EB}" type="datetimeFigureOut">
               <a:rPr kumimoji="1" lang="ja-JP" altLang="en-US" smtClean="0"/>
-              <a:t>2022/12/11</a:t>
+              <a:t>2022/12/12</a:t>
             </a:fld>
             <a:endParaRPr kumimoji="1" lang="ja-JP" altLang="en-US"/>
           </a:p>
@@ -5958,7 +6021,7 @@
           <a:p>
             <a:fld id="{CA101A3C-76DE-457D-A02D-7C04395472EB}" type="datetimeFigureOut">
               <a:rPr kumimoji="1" lang="ja-JP" altLang="en-US" smtClean="0"/>
-              <a:t>2022/12/11</a:t>
+              <a:t>2022/12/12</a:t>
             </a:fld>
             <a:endParaRPr kumimoji="1" lang="ja-JP" altLang="en-US"/>
           </a:p>
@@ -6135,7 +6198,7 @@
           <a:p>
             <a:fld id="{CA101A3C-76DE-457D-A02D-7C04395472EB}" type="datetimeFigureOut">
               <a:rPr kumimoji="1" lang="ja-JP" altLang="en-US" smtClean="0"/>
-              <a:t>2022/12/11</a:t>
+              <a:t>2022/12/12</a:t>
             </a:fld>
             <a:endParaRPr kumimoji="1" lang="ja-JP" altLang="en-US"/>
           </a:p>
@@ -6500,7 +6563,7 @@
           <a:p>
             <a:fld id="{CA101A3C-76DE-457D-A02D-7C04395472EB}" type="datetimeFigureOut">
               <a:rPr kumimoji="1" lang="ja-JP" altLang="en-US" smtClean="0"/>
-              <a:t>2022/12/11</a:t>
+              <a:t>2022/12/12</a:t>
             </a:fld>
             <a:endParaRPr kumimoji="1" lang="ja-JP" altLang="en-US"/>
           </a:p>
@@ -6845,7 +6908,7 @@
           <a:p>
             <a:fld id="{CA101A3C-76DE-457D-A02D-7C04395472EB}" type="datetimeFigureOut">
               <a:rPr kumimoji="1" lang="ja-JP" altLang="en-US" smtClean="0"/>
-              <a:t>2022/12/11</a:t>
+              <a:t>2022/12/12</a:t>
             </a:fld>
             <a:endParaRPr kumimoji="1" lang="ja-JP" altLang="en-US"/>
           </a:p>
@@ -8994,7 +9057,7 @@
           <a:p>
             <a:fld id="{CA101A3C-76DE-457D-A02D-7C04395472EB}" type="datetimeFigureOut">
               <a:rPr kumimoji="1" lang="ja-JP" altLang="en-US" smtClean="0"/>
-              <a:t>2022/12/11</a:t>
+              <a:t>2022/12/12</a:t>
             </a:fld>
             <a:endParaRPr kumimoji="1" lang="ja-JP" altLang="en-US"/>
           </a:p>
@@ -10109,7 +10172,11 @@
           <a:p>
             <a:r>
               <a:rPr lang="ja-JP" altLang="en-US" sz="2400" dirty="0"/>
-              <a:t>１）　制作アプリのお披露目。　　　　　　　　　　４０秒</a:t>
+              <a:t>１）　制作アプリのお披露目</a:t>
+            </a:r>
+            <a:r>
+              <a:rPr lang="ja-JP" altLang="en-US" sz="2400"/>
+              <a:t>。　　　　　　　　　　７０秒</a:t>
             </a:r>
             <a:endParaRPr lang="en-US" altLang="ja-JP" sz="2400" dirty="0"/>
           </a:p>
@@ -10139,7 +10206,11 @@
           <a:p>
             <a:r>
               <a:rPr lang="ja-JP" altLang="en-US" sz="2400" dirty="0"/>
-              <a:t>４）　今後のに向けて。　　　　　　　　　　　　　４０秒　　</a:t>
+              <a:t>４）　今後のに向けて</a:t>
+            </a:r>
+            <a:r>
+              <a:rPr lang="ja-JP" altLang="en-US" sz="2400"/>
+              <a:t>。　　　　　　　　　　　　　５０秒　　</a:t>
             </a:r>
             <a:endParaRPr lang="en-US" altLang="ja-JP" sz="2400" dirty="0"/>
           </a:p>
@@ -11663,8 +11734,8 @@
             </a:prstGeom>
           </p:spPr>
         </p:pic>
-        <mc:AlternateContent xmlns:mc="http://schemas.openxmlformats.org/markup-compatibility/2006">
-          <mc:Choice xmlns:p14="http://schemas.microsoft.com/office/powerpoint/2010/main" Requires="p14">
+        <mc:AlternateContent xmlns:mc="http://schemas.openxmlformats.org/markup-compatibility/2006" xmlns:p14="http://schemas.microsoft.com/office/powerpoint/2010/main">
+          <mc:Choice Requires="p14">
             <p:contentPart p14:bwMode="auto" r:id="rId8">
               <p14:nvContentPartPr>
                 <p14:cNvPr id="10" name="インク 9">
@@ -11683,7 +11754,7 @@
               </p14:xfrm>
             </p:contentPart>
           </mc:Choice>
-          <mc:Fallback>
+          <mc:Fallback xmlns="">
             <p:pic>
               <p:nvPicPr>
                 <p:cNvPr id="10" name="インク 9">

--- a/DIG-Foundations/最終報告資料.pptx
+++ b/DIG-Foundations/最終報告資料.pptx
@@ -327,7 +327,7 @@
           <a:p>
             <a:fld id="{4E26078C-C213-443F-9791-5F3CEF7C3175}" type="datetimeFigureOut">
               <a:rPr kumimoji="1" lang="ja-JP" altLang="en-US" smtClean="0"/>
-              <a:t>2022/12/12</a:t>
+              <a:t>2022/12/13</a:t>
             </a:fld>
             <a:endParaRPr kumimoji="1" lang="ja-JP" altLang="en-US"/>
           </a:p>
@@ -734,7 +734,11 @@
           <a:p>
             <a:r>
               <a:rPr kumimoji="1" lang="ja-JP" altLang="en-US" dirty="0"/>
-              <a:t>　　製作期間は、２日で全部で８</a:t>
+              <a:t>　　製作期間は、</a:t>
+            </a:r>
+            <a:r>
+              <a:rPr kumimoji="1" lang="ja-JP" altLang="en-US"/>
+              <a:t>２日で８</a:t>
             </a:r>
             <a:r>
               <a:rPr kumimoji="1" lang="en-US" altLang="ja-JP" dirty="0"/>
@@ -751,8 +755,12 @@
           </a:p>
           <a:p>
             <a:r>
+              <a:rPr kumimoji="1" lang="ja-JP" altLang="en-US"/>
+              <a:t>　　また、キャラクター</a:t>
+            </a:r>
+            <a:r>
               <a:rPr kumimoji="1" lang="ja-JP" altLang="en-US" dirty="0"/>
-              <a:t>　　キャラクターは、娘に協力してもらい、今回のために１２枚ほど書いてもらいました。　　実際に</a:t>
+              <a:t>は、娘に協力してもらい、今回のために１２枚ほど書いてもらいました。　　実際に</a:t>
             </a:r>
             <a:r>
               <a:rPr kumimoji="1" lang="en-US" altLang="ja-JP" dirty="0"/>
@@ -1806,7 +1814,7 @@
           <a:p>
             <a:fld id="{CA101A3C-76DE-457D-A02D-7C04395472EB}" type="datetimeFigureOut">
               <a:rPr kumimoji="1" lang="ja-JP" altLang="en-US" smtClean="0"/>
-              <a:t>2022/12/12</a:t>
+              <a:t>2022/12/13</a:t>
             </a:fld>
             <a:endParaRPr kumimoji="1" lang="ja-JP" altLang="en-US"/>
           </a:p>
@@ -2144,7 +2152,7 @@
           <a:p>
             <a:fld id="{CA101A3C-76DE-457D-A02D-7C04395472EB}" type="datetimeFigureOut">
               <a:rPr kumimoji="1" lang="ja-JP" altLang="en-US" smtClean="0"/>
-              <a:t>2022/12/12</a:t>
+              <a:t>2022/12/13</a:t>
             </a:fld>
             <a:endParaRPr kumimoji="1" lang="ja-JP" altLang="en-US"/>
           </a:p>
@@ -2545,7 +2553,7 @@
           <a:p>
             <a:fld id="{CA101A3C-76DE-457D-A02D-7C04395472EB}" type="datetimeFigureOut">
               <a:rPr kumimoji="1" lang="ja-JP" altLang="en-US" smtClean="0"/>
-              <a:t>2022/12/12</a:t>
+              <a:t>2022/12/13</a:t>
             </a:fld>
             <a:endParaRPr kumimoji="1" lang="ja-JP" altLang="en-US"/>
           </a:p>
@@ -2881,7 +2889,7 @@
           <a:p>
             <a:fld id="{CA101A3C-76DE-457D-A02D-7C04395472EB}" type="datetimeFigureOut">
               <a:rPr kumimoji="1" lang="ja-JP" altLang="en-US" smtClean="0"/>
-              <a:t>2022/12/12</a:t>
+              <a:t>2022/12/13</a:t>
             </a:fld>
             <a:endParaRPr kumimoji="1" lang="ja-JP" altLang="en-US"/>
           </a:p>
@@ -3201,7 +3209,7 @@
           <a:p>
             <a:fld id="{CA101A3C-76DE-457D-A02D-7C04395472EB}" type="datetimeFigureOut">
               <a:rPr kumimoji="1" lang="ja-JP" altLang="en-US" smtClean="0"/>
-              <a:t>2022/12/12</a:t>
+              <a:t>2022/12/13</a:t>
             </a:fld>
             <a:endParaRPr kumimoji="1" lang="ja-JP" altLang="en-US"/>
           </a:p>
@@ -3597,7 +3605,7 @@
           <a:p>
             <a:fld id="{CA101A3C-76DE-457D-A02D-7C04395472EB}" type="datetimeFigureOut">
               <a:rPr kumimoji="1" lang="ja-JP" altLang="en-US" smtClean="0"/>
-              <a:t>2022/12/12</a:t>
+              <a:t>2022/12/13</a:t>
             </a:fld>
             <a:endParaRPr kumimoji="1" lang="ja-JP" altLang="en-US"/>
           </a:p>
@@ -3886,7 +3894,7 @@
           <a:p>
             <a:fld id="{CA101A3C-76DE-457D-A02D-7C04395472EB}" type="datetimeFigureOut">
               <a:rPr kumimoji="1" lang="ja-JP" altLang="en-US" smtClean="0"/>
-              <a:t>2022/12/12</a:t>
+              <a:t>2022/12/13</a:t>
             </a:fld>
             <a:endParaRPr kumimoji="1" lang="ja-JP" altLang="en-US"/>
           </a:p>
@@ -4180,7 +4188,7 @@
           <a:p>
             <a:fld id="{CA101A3C-76DE-457D-A02D-7C04395472EB}" type="datetimeFigureOut">
               <a:rPr kumimoji="1" lang="ja-JP" altLang="en-US" smtClean="0"/>
-              <a:t>2022/12/12</a:t>
+              <a:t>2022/12/13</a:t>
             </a:fld>
             <a:endParaRPr kumimoji="1" lang="ja-JP" altLang="en-US"/>
           </a:p>
@@ -4543,7 +4551,7 @@
           <a:p>
             <a:fld id="{CA101A3C-76DE-457D-A02D-7C04395472EB}" type="datetimeFigureOut">
               <a:rPr kumimoji="1" lang="ja-JP" altLang="en-US" smtClean="0"/>
-              <a:t>2022/12/12</a:t>
+              <a:t>2022/12/13</a:t>
             </a:fld>
             <a:endParaRPr kumimoji="1" lang="ja-JP" altLang="en-US"/>
           </a:p>
@@ -4908,7 +4916,7 @@
           <a:p>
             <a:fld id="{CA101A3C-76DE-457D-A02D-7C04395472EB}" type="datetimeFigureOut">
               <a:rPr kumimoji="1" lang="ja-JP" altLang="en-US" smtClean="0"/>
-              <a:t>2022/12/12</a:t>
+              <a:t>2022/12/13</a:t>
             </a:fld>
             <a:endParaRPr kumimoji="1" lang="ja-JP" altLang="en-US"/>
           </a:p>
@@ -5295,7 +5303,7 @@
           <a:p>
             <a:fld id="{CA101A3C-76DE-457D-A02D-7C04395472EB}" type="datetimeFigureOut">
               <a:rPr kumimoji="1" lang="ja-JP" altLang="en-US" smtClean="0"/>
-              <a:t>2022/12/12</a:t>
+              <a:t>2022/12/13</a:t>
             </a:fld>
             <a:endParaRPr kumimoji="1" lang="ja-JP" altLang="en-US"/>
           </a:p>
@@ -5816,7 +5824,7 @@
           <a:p>
             <a:fld id="{CA101A3C-76DE-457D-A02D-7C04395472EB}" type="datetimeFigureOut">
               <a:rPr kumimoji="1" lang="ja-JP" altLang="en-US" smtClean="0"/>
-              <a:t>2022/12/12</a:t>
+              <a:t>2022/12/13</a:t>
             </a:fld>
             <a:endParaRPr kumimoji="1" lang="ja-JP" altLang="en-US"/>
           </a:p>
@@ -6021,7 +6029,7 @@
           <a:p>
             <a:fld id="{CA101A3C-76DE-457D-A02D-7C04395472EB}" type="datetimeFigureOut">
               <a:rPr kumimoji="1" lang="ja-JP" altLang="en-US" smtClean="0"/>
-              <a:t>2022/12/12</a:t>
+              <a:t>2022/12/13</a:t>
             </a:fld>
             <a:endParaRPr kumimoji="1" lang="ja-JP" altLang="en-US"/>
           </a:p>
@@ -6198,7 +6206,7 @@
           <a:p>
             <a:fld id="{CA101A3C-76DE-457D-A02D-7C04395472EB}" type="datetimeFigureOut">
               <a:rPr kumimoji="1" lang="ja-JP" altLang="en-US" smtClean="0"/>
-              <a:t>2022/12/12</a:t>
+              <a:t>2022/12/13</a:t>
             </a:fld>
             <a:endParaRPr kumimoji="1" lang="ja-JP" altLang="en-US"/>
           </a:p>
@@ -6563,7 +6571,7 @@
           <a:p>
             <a:fld id="{CA101A3C-76DE-457D-A02D-7C04395472EB}" type="datetimeFigureOut">
               <a:rPr kumimoji="1" lang="ja-JP" altLang="en-US" smtClean="0"/>
-              <a:t>2022/12/12</a:t>
+              <a:t>2022/12/13</a:t>
             </a:fld>
             <a:endParaRPr kumimoji="1" lang="ja-JP" altLang="en-US"/>
           </a:p>
@@ -6908,7 +6916,7 @@
           <a:p>
             <a:fld id="{CA101A3C-76DE-457D-A02D-7C04395472EB}" type="datetimeFigureOut">
               <a:rPr kumimoji="1" lang="ja-JP" altLang="en-US" smtClean="0"/>
-              <a:t>2022/12/12</a:t>
+              <a:t>2022/12/13</a:t>
             </a:fld>
             <a:endParaRPr kumimoji="1" lang="ja-JP" altLang="en-US"/>
           </a:p>
@@ -9057,7 +9065,7 @@
           <a:p>
             <a:fld id="{CA101A3C-76DE-457D-A02D-7C04395472EB}" type="datetimeFigureOut">
               <a:rPr kumimoji="1" lang="ja-JP" altLang="en-US" smtClean="0"/>
-              <a:t>2022/12/12</a:t>
+              <a:t>2022/12/13</a:t>
             </a:fld>
             <a:endParaRPr kumimoji="1" lang="ja-JP" altLang="en-US"/>
           </a:p>
@@ -10176,7 +10184,7 @@
             </a:r>
             <a:r>
               <a:rPr lang="ja-JP" altLang="en-US" sz="2400"/>
-              <a:t>。　　　　　　　　　　７０秒</a:t>
+              <a:t>。　　　　　　　　　　５０秒</a:t>
             </a:r>
             <a:endParaRPr lang="en-US" altLang="ja-JP" sz="2400" dirty="0"/>
           </a:p>
@@ -10186,7 +10194,11 @@
           <a:p>
             <a:r>
               <a:rPr lang="ja-JP" altLang="en-US" sz="2400" dirty="0"/>
-              <a:t>２）　アプリ制作に向けた、考え方について。　　　５０秒</a:t>
+              <a:t>２）　アプリ制作に向けた、考え方について</a:t>
+            </a:r>
+            <a:r>
+              <a:rPr lang="ja-JP" altLang="en-US" sz="2400"/>
+              <a:t>。　　　３０秒</a:t>
             </a:r>
             <a:endParaRPr lang="en-US" altLang="ja-JP" sz="2400" dirty="0"/>
           </a:p>
@@ -10196,7 +10208,11 @@
           <a:p>
             <a:r>
               <a:rPr lang="ja-JP" altLang="en-US" sz="2400" dirty="0"/>
-              <a:t>３）　くふう点と、身についた事。　　　　　　　　５０秒</a:t>
+              <a:t>３）　くふう点と、身についた事</a:t>
+            </a:r>
+            <a:r>
+              <a:rPr lang="ja-JP" altLang="en-US" sz="2400"/>
+              <a:t>。　　　　　　　　５０秒</a:t>
             </a:r>
             <a:endParaRPr lang="en-US" altLang="ja-JP" sz="2400" dirty="0"/>
           </a:p>
@@ -14625,6 +14641,27 @@
 </file>
 
 <file path=customXml/item1.xml><?xml version="1.0" encoding="utf-8"?>
+<?mso-contentType ?>
+<FormTemplates xmlns="http://schemas.microsoft.com/sharepoint/v3/contenttype/forms">
+  <Display>DocumentLibraryForm</Display>
+  <Edit>DocumentLibraryForm</Edit>
+  <New>DocumentLibraryForm</New>
+</FormTemplates>
+</file>
+
+<file path=customXml/item2.xml><?xml version="1.0" encoding="utf-8"?>
+<p:properties xmlns:p="http://schemas.microsoft.com/office/2006/metadata/properties" xmlns:xsi="http://www.w3.org/2001/XMLSchema-instance" xmlns:pc="http://schemas.microsoft.com/office/infopath/2007/PartnerControls">
+  <documentManagement>
+    <_x30b3__x30e1__x30f3__x30c8_ xmlns="be4544ac-009f-495c-abf6-5ffafb9f8fc4" xsi:nil="true"/>
+    <URL xmlns="be4544ac-009f-495c-abf6-5ffafb9f8fc4">
+      <Url xsi:nil="true"/>
+      <Description xsi:nil="true"/>
+    </URL>
+  </documentManagement>
+</p:properties>
+</file>
+
+<file path=customXml/item3.xml><?xml version="1.0" encoding="utf-8"?>
 <ct:contentTypeSchema xmlns:ct="http://schemas.microsoft.com/office/2006/metadata/contentType" xmlns:ma="http://schemas.microsoft.com/office/2006/metadata/properties/metaAttributes" ct:_="" ma:_="" ma:contentTypeName="ドキュメント" ma:contentTypeID="0x0101009C126C1395C772498C6F673027B90A57" ma:contentTypeVersion="17" ma:contentTypeDescription="新しいドキュメントを作成します。" ma:contentTypeScope="" ma:versionID="e5407cd6ed33a84fdf79cade1dfff71e">
   <xsd:schema xmlns:xsd="http://www.w3.org/2001/XMLSchema" xmlns:xs="http://www.w3.org/2001/XMLSchema" xmlns:p="http://schemas.microsoft.com/office/2006/metadata/properties" xmlns:ns2="be4544ac-009f-495c-abf6-5ffafb9f8fc4" xmlns:ns3="2225ab29-e826-449b-b5a5-b228c8a78d3e" targetNamespace="http://schemas.microsoft.com/office/2006/metadata/properties" ma:root="true" ma:fieldsID="30607a7cbff5c091d13d3364613f1438" ns2:_="" ns3:_="">
     <xsd:import namespace="be4544ac-009f-495c-abf6-5ffafb9f8fc4"/>
@@ -14868,28 +14905,32 @@
 </ct:contentTypeSchema>
 </file>
 
-<file path=customXml/item2.xml><?xml version="1.0" encoding="utf-8"?>
-<p:properties xmlns:p="http://schemas.microsoft.com/office/2006/metadata/properties" xmlns:xsi="http://www.w3.org/2001/XMLSchema-instance" xmlns:pc="http://schemas.microsoft.com/office/infopath/2007/PartnerControls">
-  <documentManagement>
-    <_x30b3__x30e1__x30f3__x30c8_ xmlns="be4544ac-009f-495c-abf6-5ffafb9f8fc4" xsi:nil="true"/>
-    <URL xmlns="be4544ac-009f-495c-abf6-5ffafb9f8fc4">
-      <Url xsi:nil="true"/>
-      <Description xsi:nil="true"/>
-    </URL>
-  </documentManagement>
-</p:properties>
+<file path=customXml/itemProps1.xml><?xml version="1.0" encoding="utf-8"?>
+<ds:datastoreItem xmlns:ds="http://schemas.openxmlformats.org/officeDocument/2006/customXml" ds:itemID="{858F6AD8-1F75-4872-A869-E1A3ED8CA2D2}">
+  <ds:schemaRefs>
+    <ds:schemaRef ds:uri="http://schemas.microsoft.com/sharepoint/v3/contenttype/forms"/>
+  </ds:schemaRefs>
+</ds:datastoreItem>
 </file>
 
-<file path=customXml/item3.xml><?xml version="1.0" encoding="utf-8"?>
-<?mso-contentType ?>
-<FormTemplates xmlns="http://schemas.microsoft.com/sharepoint/v3/contenttype/forms">
-  <Display>DocumentLibraryForm</Display>
-  <Edit>DocumentLibraryForm</Edit>
-  <New>DocumentLibraryForm</New>
-</FormTemplates>
+<file path=customXml/itemProps2.xml><?xml version="1.0" encoding="utf-8"?>
+<ds:datastoreItem xmlns:ds="http://schemas.openxmlformats.org/officeDocument/2006/customXml" ds:itemID="{2A39986C-A5C7-4A8D-BA91-DBEF1DAB0334}">
+  <ds:schemaRefs>
+    <ds:schemaRef ds:uri="http://schemas.microsoft.com/office/2006/metadata/properties"/>
+    <ds:schemaRef ds:uri="http://schemas.microsoft.com/office/2006/documentManagement/types"/>
+    <ds:schemaRef ds:uri="http://www.w3.org/XML/1998/namespace"/>
+    <ds:schemaRef ds:uri="http://purl.org/dc/dcmitype/"/>
+    <ds:schemaRef ds:uri="http://schemas.openxmlformats.org/package/2006/metadata/core-properties"/>
+    <ds:schemaRef ds:uri="be4544ac-009f-495c-abf6-5ffafb9f8fc4"/>
+    <ds:schemaRef ds:uri="http://purl.org/dc/elements/1.1/"/>
+    <ds:schemaRef ds:uri="http://schemas.microsoft.com/office/infopath/2007/PartnerControls"/>
+    <ds:schemaRef ds:uri="2225ab29-e826-449b-b5a5-b228c8a78d3e"/>
+    <ds:schemaRef ds:uri="http://purl.org/dc/terms/"/>
+  </ds:schemaRefs>
+</ds:datastoreItem>
 </file>
 
-<file path=customXml/itemProps1.xml><?xml version="1.0" encoding="utf-8"?>
+<file path=customXml/itemProps3.xml><?xml version="1.0" encoding="utf-8"?>
 <ds:datastoreItem xmlns:ds="http://schemas.openxmlformats.org/officeDocument/2006/customXml" ds:itemID="{40DBC5CE-9211-4E02-9385-01092F552523}">
   <ds:schemaRefs>
     <ds:schemaRef ds:uri="http://schemas.microsoft.com/office/2006/metadata/contentType"/>
@@ -14906,29 +14947,4 @@
     <ds:schemaRef ds:uri="http://schemas.microsoft.com/internal/obd"/>
   </ds:schemaRefs>
 </ds:datastoreItem>
-</file>
-
-<file path=customXml/itemProps2.xml><?xml version="1.0" encoding="utf-8"?>
-<ds:datastoreItem xmlns:ds="http://schemas.openxmlformats.org/officeDocument/2006/customXml" ds:itemID="{2A39986C-A5C7-4A8D-BA91-DBEF1DAB0334}">
-  <ds:schemaRefs>
-    <ds:schemaRef ds:uri="http://schemas.microsoft.com/office/2006/documentManagement/types"/>
-    <ds:schemaRef ds:uri="http://schemas.microsoft.com/office/infopath/2007/PartnerControls"/>
-    <ds:schemaRef ds:uri="http://purl.org/dc/elements/1.1/"/>
-    <ds:schemaRef ds:uri="http://schemas.openxmlformats.org/package/2006/metadata/core-properties"/>
-    <ds:schemaRef ds:uri="http://purl.org/dc/dcmitype/"/>
-    <ds:schemaRef ds:uri="http://www.w3.org/XML/1998/namespace"/>
-    <ds:schemaRef ds:uri="2225ab29-e826-449b-b5a5-b228c8a78d3e"/>
-    <ds:schemaRef ds:uri="be4544ac-009f-495c-abf6-5ffafb9f8fc4"/>
-    <ds:schemaRef ds:uri="http://schemas.microsoft.com/office/2006/metadata/properties"/>
-    <ds:schemaRef ds:uri="http://purl.org/dc/terms/"/>
-  </ds:schemaRefs>
-</ds:datastoreItem>
-</file>
-
-<file path=customXml/itemProps3.xml><?xml version="1.0" encoding="utf-8"?>
-<ds:datastoreItem xmlns:ds="http://schemas.openxmlformats.org/officeDocument/2006/customXml" ds:itemID="{858F6AD8-1F75-4872-A869-E1A3ED8CA2D2}">
-  <ds:schemaRefs>
-    <ds:schemaRef ds:uri="http://schemas.microsoft.com/sharepoint/v3/contenttype/forms"/>
-  </ds:schemaRefs>
-</ds:datastoreItem>
 </file>